--- a/ClassMaterials/CollisionHandling/Slides/Part2-ProjectReminders.pptx
+++ b/ClassMaterials/CollisionHandling/Slides/Part2-ProjectReminders.pptx
@@ -5,15 +5,17 @@
     <p:sldMasterId id="2147483648" r:id="rId4"/>
   </p:sldMasterIdLst>
   <p:notesMasterIdLst>
-    <p:notesMasterId r:id="rId11"/>
+    <p:notesMasterId r:id="rId13"/>
   </p:notesMasterIdLst>
   <p:sldIdLst>
     <p:sldId id="256" r:id="rId5"/>
-    <p:sldId id="261" r:id="rId6"/>
-    <p:sldId id="257" r:id="rId7"/>
-    <p:sldId id="258" r:id="rId8"/>
-    <p:sldId id="259" r:id="rId9"/>
-    <p:sldId id="262" r:id="rId10"/>
+    <p:sldId id="263" r:id="rId6"/>
+    <p:sldId id="261" r:id="rId7"/>
+    <p:sldId id="257" r:id="rId8"/>
+    <p:sldId id="258" r:id="rId9"/>
+    <p:sldId id="259" r:id="rId10"/>
+    <p:sldId id="264" r:id="rId11"/>
+    <p:sldId id="262" r:id="rId12"/>
   </p:sldIdLst>
   <p:sldSz cx="9144000" cy="6858000" type="screen4x3"/>
   <p:notesSz cx="7315200" cy="9601200"/>
@@ -123,13 +125,84 @@
 <file path=ppt/revisionInfo.xml><?xml version="1.0" encoding="utf-8"?>
 <p1510:revInfo xmlns:a="http://schemas.openxmlformats.org/drawingml/2006/main" xmlns:r="http://schemas.openxmlformats.org/officeDocument/2006/relationships" xmlns:p1510="http://schemas.microsoft.com/office/powerpoint/2015/10/main">
   <p1510:revLst>
-    <p1510:client id="{82397B87-1CCA-4427-B128-DA215A00F860}" v="2" dt="2021-10-26T12:21:53.591"/>
+    <p1510:client id="{6029C006-0B8B-4AA5-A632-F6B87C7BDE06}" v="10" dt="2023-10-27T09:39:34.563"/>
   </p1510:revLst>
 </p1510:revInfo>
 </file>
 
 <file path=ppt/changesInfos/changesInfo1.xml><?xml version="1.0" encoding="utf-8"?>
 <pc:chgInfo xmlns:a="http://schemas.openxmlformats.org/drawingml/2006/main" xmlns:r="http://schemas.openxmlformats.org/officeDocument/2006/relationships" xmlns:ac="http://schemas.microsoft.com/office/drawing/2013/main/command" xmlns:pc="http://schemas.microsoft.com/office/powerpoint/2013/main/command">
+  <pc:docChgLst>
+    <pc:chgData name="Yoder, Jason" userId="28f4d4d8-da04-4f86-b14d-a21675737bc5" providerId="ADAL" clId="{6029C006-0B8B-4AA5-A632-F6B87C7BDE06}"/>
+    <pc:docChg chg="custSel addSld modSld">
+      <pc:chgData name="Yoder, Jason" userId="28f4d4d8-da04-4f86-b14d-a21675737bc5" providerId="ADAL" clId="{6029C006-0B8B-4AA5-A632-F6B87C7BDE06}" dt="2023-10-27T09:39:47.793" v="861" actId="1076"/>
+      <pc:docMkLst>
+        <pc:docMk/>
+      </pc:docMkLst>
+      <pc:sldChg chg="modSp new mod">
+        <pc:chgData name="Yoder, Jason" userId="28f4d4d8-da04-4f86-b14d-a21675737bc5" providerId="ADAL" clId="{6029C006-0B8B-4AA5-A632-F6B87C7BDE06}" dt="2023-10-26T13:39:03.753" v="826" actId="1076"/>
+        <pc:sldMkLst>
+          <pc:docMk/>
+          <pc:sldMk cId="2301447878" sldId="263"/>
+        </pc:sldMkLst>
+        <pc:spChg chg="mod">
+          <ac:chgData name="Yoder, Jason" userId="28f4d4d8-da04-4f86-b14d-a21675737bc5" providerId="ADAL" clId="{6029C006-0B8B-4AA5-A632-F6B87C7BDE06}" dt="2023-10-26T13:38:54.787" v="824" actId="113"/>
+          <ac:spMkLst>
+            <pc:docMk/>
+            <pc:sldMk cId="2301447878" sldId="263"/>
+            <ac:spMk id="2" creationId="{14896F7C-52D7-93B2-1ADC-3CA4338E0AED}"/>
+          </ac:spMkLst>
+        </pc:spChg>
+        <pc:spChg chg="mod">
+          <ac:chgData name="Yoder, Jason" userId="28f4d4d8-da04-4f86-b14d-a21675737bc5" providerId="ADAL" clId="{6029C006-0B8B-4AA5-A632-F6B87C7BDE06}" dt="2023-10-26T13:39:03.753" v="826" actId="1076"/>
+          <ac:spMkLst>
+            <pc:docMk/>
+            <pc:sldMk cId="2301447878" sldId="263"/>
+            <ac:spMk id="3" creationId="{F75BF7F9-774C-9A75-7953-DC95912BEE10}"/>
+          </ac:spMkLst>
+        </pc:spChg>
+      </pc:sldChg>
+      <pc:sldChg chg="addSp modSp new mod">
+        <pc:chgData name="Yoder, Jason" userId="28f4d4d8-da04-4f86-b14d-a21675737bc5" providerId="ADAL" clId="{6029C006-0B8B-4AA5-A632-F6B87C7BDE06}" dt="2023-10-27T09:39:47.793" v="861" actId="1076"/>
+        <pc:sldMkLst>
+          <pc:docMk/>
+          <pc:sldMk cId="1523766582" sldId="264"/>
+        </pc:sldMkLst>
+        <pc:spChg chg="mod">
+          <ac:chgData name="Yoder, Jason" userId="28f4d4d8-da04-4f86-b14d-a21675737bc5" providerId="ADAL" clId="{6029C006-0B8B-4AA5-A632-F6B87C7BDE06}" dt="2023-10-27T09:39:31.778" v="856" actId="14100"/>
+          <ac:spMkLst>
+            <pc:docMk/>
+            <pc:sldMk cId="1523766582" sldId="264"/>
+            <ac:spMk id="2" creationId="{8BF44143-E8E4-78B3-B9AB-90518DE684A9}"/>
+          </ac:spMkLst>
+        </pc:spChg>
+        <pc:spChg chg="mod">
+          <ac:chgData name="Yoder, Jason" userId="28f4d4d8-da04-4f86-b14d-a21675737bc5" providerId="ADAL" clId="{6029C006-0B8B-4AA5-A632-F6B87C7BDE06}" dt="2023-10-27T09:39:47.793" v="861" actId="1076"/>
+          <ac:spMkLst>
+            <pc:docMk/>
+            <pc:sldMk cId="1523766582" sldId="264"/>
+            <ac:spMk id="3" creationId="{F212B793-B7D9-7AA4-4601-5F6753967AF2}"/>
+          </ac:spMkLst>
+        </pc:spChg>
+        <pc:picChg chg="add mod">
+          <ac:chgData name="Yoder, Jason" userId="28f4d4d8-da04-4f86-b14d-a21675737bc5" providerId="ADAL" clId="{6029C006-0B8B-4AA5-A632-F6B87C7BDE06}" dt="2023-10-27T09:38:52.411" v="844" actId="1076"/>
+          <ac:picMkLst>
+            <pc:docMk/>
+            <pc:sldMk cId="1523766582" sldId="264"/>
+            <ac:picMk id="5" creationId="{8D9A7271-0A4F-6890-93DD-7D3E5EEDC286}"/>
+          </ac:picMkLst>
+        </pc:picChg>
+        <pc:picChg chg="add mod">
+          <ac:chgData name="Yoder, Jason" userId="28f4d4d8-da04-4f86-b14d-a21675737bc5" providerId="ADAL" clId="{6029C006-0B8B-4AA5-A632-F6B87C7BDE06}" dt="2023-10-27T09:39:34.563" v="858" actId="14100"/>
+          <ac:picMkLst>
+            <pc:docMk/>
+            <pc:sldMk cId="1523766582" sldId="264"/>
+            <ac:picMk id="1026" creationId="{63B86F67-15D1-B49A-A0EC-3B1B42968793}"/>
+          </ac:picMkLst>
+        </pc:picChg>
+      </pc:sldChg>
+    </pc:docChg>
+  </pc:docChgLst>
   <pc:docChgLst>
     <pc:chgData name="Dorsey, Cameron" userId="S::dorseycs@rose-hulman.edu::e3fdc538-7733-41a8-91e6-3ff377dfa323" providerId="AD" clId="Web-{82397B87-1CCA-4427-B128-DA215A00F860}"/>
     <pc:docChg chg="modSld">
@@ -2934,7 +3007,7 @@
           <p:cNvPr id="2" name="Title 1">
             <a:extLst>
               <a:ext uri="{FF2B5EF4-FFF2-40B4-BE49-F238E27FC236}">
-                <a16:creationId xmlns:a16="http://schemas.microsoft.com/office/drawing/2014/main" id="{BF567976-E928-43CC-347D-EDE1B4A0DDC9}"/>
+                <a16:creationId xmlns:a16="http://schemas.microsoft.com/office/drawing/2014/main" id="{14896F7C-52D7-93B2-1ADC-3CA4338E0AED}"/>
               </a:ext>
             </a:extLst>
           </p:cNvPr>
@@ -2945,14 +3018,19 @@
             <p:ph type="title"/>
           </p:nvPr>
         </p:nvSpPr>
-        <p:spPr/>
+        <p:spPr>
+          <a:xfrm>
+            <a:off x="141401" y="273600"/>
+            <a:ext cx="8870623" cy="1144800"/>
+          </a:xfrm>
+        </p:spPr>
         <p:txBody>
           <a:bodyPr/>
           <a:lstStyle/>
           <a:p>
             <a:r>
-              <a:rPr lang="en-US" dirty="0"/>
-              <a:t>Milestone Due Soon!</a:t>
+              <a:rPr lang="en-US" sz="4000" b="1" dirty="0"/>
+              <a:t>Some independent learning required</a:t>
             </a:r>
           </a:p>
         </p:txBody>
@@ -2962,7 +3040,7 @@
           <p:cNvPr id="3" name="Subtitle 2">
             <a:extLst>
               <a:ext uri="{FF2B5EF4-FFF2-40B4-BE49-F238E27FC236}">
-                <a16:creationId xmlns:a16="http://schemas.microsoft.com/office/drawing/2014/main" id="{766D13D6-FC1D-C87B-947C-06825DAE14F0}"/>
+                <a16:creationId xmlns:a16="http://schemas.microsoft.com/office/drawing/2014/main" id="{F75BF7F9-774C-9A75-7953-DC95912BEE10}"/>
               </a:ext>
             </a:extLst>
           </p:cNvPr>
@@ -2975,8 +3053,8 @@
         </p:nvSpPr>
         <p:spPr>
           <a:xfrm>
-            <a:off x="457200" y="1418400"/>
-            <a:ext cx="8229240" cy="4379085"/>
+            <a:off x="131976" y="1418400"/>
+            <a:ext cx="8870623" cy="4892510"/>
           </a:xfrm>
         </p:spPr>
         <p:txBody>
@@ -2984,196 +3062,98 @@
           <a:lstStyle/>
           <a:p>
             <a:r>
-              <a:rPr lang="en-US" sz="1800" dirty="0">
-                <a:latin typeface="+mn-lt"/>
+              <a:rPr lang="en-US" dirty="0"/>
+              <a:t>We do not teach you how to do certain things:</a:t>
+            </a:r>
+          </a:p>
+          <a:p>
+            <a:pPr lvl="1"/>
+            <a:r>
+              <a:rPr lang="en-US" dirty="0"/>
+              <a:t>Use the keyboard (Arcade Game)</a:t>
+            </a:r>
+          </a:p>
+          <a:p>
+            <a:pPr lvl="1"/>
+            <a:r>
+              <a:rPr lang="en-US" dirty="0"/>
+              <a:t>Browse to find files (GARP)</a:t>
+            </a:r>
+          </a:p>
+          <a:p>
+            <a:r>
+              <a:rPr lang="en-US" dirty="0"/>
+              <a:t>You may use Google/etc. to learn how to.</a:t>
+            </a:r>
+          </a:p>
+          <a:p>
+            <a:r>
+              <a:rPr lang="en-US" dirty="0"/>
+              <a:t>We want you to demonstrate </a:t>
+            </a:r>
+            <a:r>
+              <a:rPr lang="en-US" u="sng" dirty="0"/>
+              <a:t>learning independently</a:t>
+            </a:r>
+          </a:p>
+          <a:p>
+            <a:r>
+              <a:rPr lang="en-US" dirty="0"/>
+              <a:t>We hope this gives you confidence to learn other things as well (adding music, animation, etc.)</a:t>
+            </a:r>
+          </a:p>
+          <a:p>
+            <a:r>
+              <a:rPr lang="en-US" dirty="0"/>
+              <a:t>Some hints:</a:t>
+            </a:r>
+          </a:p>
+          <a:p>
+            <a:pPr lvl="1"/>
+            <a:r>
+              <a:rPr lang="en-US" dirty="0" err="1"/>
+              <a:t>ArcadeGame</a:t>
+            </a:r>
+            <a:r>
+              <a:rPr lang="en-US" dirty="0"/>
+              <a:t> (</a:t>
+            </a:r>
+            <a:r>
+              <a:rPr lang="en-US" b="1" dirty="0" err="1">
+                <a:latin typeface="Calibri" panose="020F0502020204030204" pitchFamily="34" charset="0"/>
+                <a:cs typeface="Calibri" panose="020F0502020204030204" pitchFamily="34" charset="0"/>
               </a:rPr>
-              <a:t>Make sure to meet as a whole team to stay in sync</a:t>
-            </a:r>
-          </a:p>
-          <a:p>
-            <a:pPr marL="285750" lvl="8" indent="-285750">
-              <a:buFont typeface="Arial" panose="020B0604020202020204" pitchFamily="34" charset="0"/>
-              <a:buChar char="•"/>
-            </a:pPr>
-            <a:r>
-              <a:rPr lang="en-US" dirty="0">
-                <a:latin typeface="+mn-lt"/>
+              <a:t>KeyListener</a:t>
+            </a:r>
+            <a:r>
+              <a:rPr lang="en-US" dirty="0"/>
+              <a:t>, “focus”)</a:t>
+            </a:r>
+          </a:p>
+          <a:p>
+            <a:pPr lvl="1"/>
+            <a:r>
+              <a:rPr lang="en-US" dirty="0"/>
+              <a:t>GARP (</a:t>
+            </a:r>
+            <a:r>
+              <a:rPr lang="en-US" b="1" dirty="0" err="1">
+                <a:latin typeface="Calibri" panose="020F0502020204030204" pitchFamily="34" charset="0"/>
+                <a:cs typeface="Calibri" panose="020F0502020204030204" pitchFamily="34" charset="0"/>
               </a:rPr>
-              <a:t>Should be sure it is scheduled (Driver)</a:t>
-            </a:r>
-          </a:p>
-          <a:p>
-            <a:pPr marL="285750" lvl="8" indent="-285750">
-              <a:buFont typeface="Arial" panose="020B0604020202020204" pitchFamily="34" charset="0"/>
-              <a:buChar char="•"/>
-            </a:pPr>
-            <a:r>
-              <a:rPr lang="en-US" dirty="0">
-                <a:latin typeface="+mn-lt"/>
-              </a:rPr>
-              <a:t>Should be sure there is an agenda (Navigator)</a:t>
-            </a:r>
-          </a:p>
-          <a:p>
-            <a:pPr marL="285750" lvl="8" indent="-285750">
-              <a:buFont typeface="Arial" panose="020B0604020202020204" pitchFamily="34" charset="0"/>
-              <a:buChar char="•"/>
-            </a:pPr>
-            <a:r>
-              <a:rPr lang="en-US" dirty="0">
-                <a:latin typeface="+mn-lt"/>
-              </a:rPr>
-              <a:t>Should be sure there are minutes taken (Reviewer)</a:t>
-            </a:r>
-          </a:p>
-          <a:p>
-            <a:endParaRPr lang="en-US" sz="1800" dirty="0">
-              <a:latin typeface="+mn-lt"/>
-            </a:endParaRPr>
-          </a:p>
-          <a:p>
-            <a:r>
-              <a:rPr lang="en-US" sz="1800" dirty="0">
-                <a:latin typeface="+mn-lt"/>
-              </a:rPr>
-              <a:t>Make sure to track your time</a:t>
-            </a:r>
-          </a:p>
-          <a:p>
-            <a:pPr marL="285750" lvl="1" indent="-285750">
-              <a:buFont typeface="Arial" panose="020B0604020202020204" pitchFamily="34" charset="0"/>
-              <a:buChar char="•"/>
-            </a:pPr>
-            <a:r>
-              <a:rPr lang="en-US" dirty="0">
-                <a:latin typeface="+mn-lt"/>
-              </a:rPr>
-              <a:t>Required to help track contributions to project</a:t>
-            </a:r>
-          </a:p>
-          <a:p>
-            <a:endParaRPr lang="en-US" sz="1800" dirty="0">
-              <a:latin typeface="+mn-lt"/>
-            </a:endParaRPr>
-          </a:p>
-          <a:p>
-            <a:r>
-              <a:rPr lang="en-US" sz="1800" dirty="0">
-                <a:latin typeface="+mn-lt"/>
-              </a:rPr>
-              <a:t>Make sure to complete in your Milestone Report</a:t>
-            </a:r>
-          </a:p>
-          <a:p>
-            <a:pPr marL="285750" lvl="1" indent="-285750">
-              <a:buFont typeface="Arial" panose="020B0604020202020204" pitchFamily="34" charset="0"/>
-              <a:buChar char="•"/>
-            </a:pPr>
-            <a:r>
-              <a:rPr lang="en-US" dirty="0">
-                <a:latin typeface="+mn-lt"/>
-              </a:rPr>
-              <a:t>Review responsible to submit it</a:t>
-            </a:r>
-          </a:p>
-          <a:p>
-            <a:pPr marL="285750" lvl="1" indent="-285750">
-              <a:buFont typeface="Arial" panose="020B0604020202020204" pitchFamily="34" charset="0"/>
-              <a:buChar char="•"/>
-            </a:pPr>
-            <a:r>
-              <a:rPr lang="en-US" dirty="0">
-                <a:latin typeface="+mn-lt"/>
-              </a:rPr>
-              <a:t>Parts of report should be completed by Driver/Nav</a:t>
-            </a:r>
-          </a:p>
-          <a:p>
-            <a:pPr marL="285750" lvl="1" indent="-285750">
-              <a:buFont typeface="Arial" panose="020B0604020202020204" pitchFamily="34" charset="0"/>
-              <a:buChar char="•"/>
-            </a:pPr>
-            <a:endParaRPr lang="en-US" dirty="0">
-              <a:latin typeface="+mn-lt"/>
-            </a:endParaRPr>
-          </a:p>
-          <a:p>
-            <a:pPr marL="285750" lvl="1" indent="-285750">
-              <a:buFont typeface="Arial" panose="020B0604020202020204" pitchFamily="34" charset="0"/>
-              <a:buChar char="•"/>
-            </a:pPr>
-            <a:endParaRPr lang="en-US" dirty="0">
-              <a:latin typeface="+mn-lt"/>
-            </a:endParaRPr>
-          </a:p>
-          <a:p>
-            <a:pPr lvl="1"/>
-            <a:r>
-              <a:rPr lang="en-US" dirty="0">
-                <a:latin typeface="+mn-lt"/>
-              </a:rPr>
-              <a:t>The Milestone Report is Submitted via </a:t>
-            </a:r>
-            <a:r>
-              <a:rPr lang="en-US" dirty="0" err="1">
-                <a:latin typeface="+mn-lt"/>
-              </a:rPr>
-              <a:t>GradeScope</a:t>
-            </a:r>
-            <a:endParaRPr lang="en-US" dirty="0">
-              <a:latin typeface="+mn-lt"/>
-            </a:endParaRPr>
-          </a:p>
-          <a:p>
-            <a:pPr lvl="1"/>
-            <a:r>
-              <a:rPr lang="en-US" dirty="0">
-                <a:latin typeface="+mn-lt"/>
-              </a:rPr>
-              <a:t>It provides a link to the template for you to complete the report.</a:t>
-            </a:r>
-          </a:p>
-        </p:txBody>
-      </p:sp>
-      <p:pic>
-        <p:nvPicPr>
-          <p:cNvPr id="5" name="Picture 4">
-            <a:extLst>
-              <a:ext uri="{FF2B5EF4-FFF2-40B4-BE49-F238E27FC236}">
-                <a16:creationId xmlns:a16="http://schemas.microsoft.com/office/drawing/2014/main" id="{A3B1609D-76EE-14BC-6B28-7105B0A07B12}"/>
-              </a:ext>
-            </a:extLst>
-          </p:cNvPr>
-          <p:cNvPicPr>
-            <a:picLocks noChangeAspect="1"/>
-          </p:cNvPicPr>
-          <p:nvPr/>
-        </p:nvPicPr>
-        <p:blipFill>
-          <a:blip r:embed="rId2"/>
-          <a:stretch>
-            <a:fillRect/>
-          </a:stretch>
-        </p:blipFill>
-        <p:spPr>
-          <a:xfrm>
-            <a:off x="457200" y="5710920"/>
-            <a:ext cx="4443351" cy="873480"/>
-          </a:xfrm>
-          <a:prstGeom prst="rect">
-            <a:avLst/>
-          </a:prstGeom>
-          <a:ln>
-            <a:solidFill>
-              <a:schemeClr val="tx1"/>
-            </a:solidFill>
-          </a:ln>
-        </p:spPr>
-      </p:pic>
+              <a:t>JFileChooser</a:t>
+            </a:r>
+            <a:r>
+              <a:rPr lang="en-US" dirty="0"/>
+              <a:t>)</a:t>
+            </a:r>
+          </a:p>
+        </p:txBody>
+      </p:sp>
     </p:spTree>
     <p:extLst>
       <p:ext uri="{BB962C8B-B14F-4D97-AF65-F5344CB8AC3E}">
-        <p14:creationId xmlns:p14="http://schemas.microsoft.com/office/powerpoint/2010/main" val="3087552328"/>
+        <p14:creationId xmlns:p14="http://schemas.microsoft.com/office/powerpoint/2010/main" val="2301447878"/>
       </p:ext>
     </p:extLst>
   </p:cSld>
@@ -3228,6 +3208,184 @@
           </a:p>
         </p:txBody>
       </p:sp>
+      <p:sp>
+        <p:nvSpPr>
+          <p:cNvPr id="3" name="Subtitle 2">
+            <a:extLst>
+              <a:ext uri="{FF2B5EF4-FFF2-40B4-BE49-F238E27FC236}">
+                <a16:creationId xmlns:a16="http://schemas.microsoft.com/office/drawing/2014/main" id="{766D13D6-FC1D-C87B-947C-06825DAE14F0}"/>
+              </a:ext>
+            </a:extLst>
+          </p:cNvPr>
+          <p:cNvSpPr>
+            <a:spLocks noGrp="1"/>
+          </p:cNvSpPr>
+          <p:nvPr>
+            <p:ph type="subTitle"/>
+          </p:nvPr>
+        </p:nvSpPr>
+        <p:spPr>
+          <a:xfrm>
+            <a:off x="457200" y="1418400"/>
+            <a:ext cx="8229240" cy="4379085"/>
+          </a:xfrm>
+        </p:spPr>
+        <p:txBody>
+          <a:bodyPr/>
+          <a:lstStyle/>
+          <a:p>
+            <a:r>
+              <a:rPr lang="en-US" sz="1800" dirty="0">
+                <a:latin typeface="+mn-lt"/>
+              </a:rPr>
+              <a:t>Make sure to meet as a whole team to stay in sync</a:t>
+            </a:r>
+          </a:p>
+          <a:p>
+            <a:pPr marL="285750" lvl="8" indent="-285750">
+              <a:buFont typeface="Arial" panose="020B0604020202020204" pitchFamily="34" charset="0"/>
+              <a:buChar char="•"/>
+            </a:pPr>
+            <a:r>
+              <a:rPr lang="en-US" dirty="0">
+                <a:latin typeface="+mn-lt"/>
+              </a:rPr>
+              <a:t>Should be sure it is scheduled (Driver)</a:t>
+            </a:r>
+          </a:p>
+          <a:p>
+            <a:pPr marL="285750" lvl="8" indent="-285750">
+              <a:buFont typeface="Arial" panose="020B0604020202020204" pitchFamily="34" charset="0"/>
+              <a:buChar char="•"/>
+            </a:pPr>
+            <a:r>
+              <a:rPr lang="en-US" dirty="0">
+                <a:latin typeface="+mn-lt"/>
+              </a:rPr>
+              <a:t>Should be sure there is an agenda (Navigator)</a:t>
+            </a:r>
+          </a:p>
+          <a:p>
+            <a:pPr marL="285750" lvl="8" indent="-285750">
+              <a:buFont typeface="Arial" panose="020B0604020202020204" pitchFamily="34" charset="0"/>
+              <a:buChar char="•"/>
+            </a:pPr>
+            <a:r>
+              <a:rPr lang="en-US" dirty="0">
+                <a:latin typeface="+mn-lt"/>
+              </a:rPr>
+              <a:t>Should be sure there are minutes taken (Reviewer)</a:t>
+            </a:r>
+          </a:p>
+          <a:p>
+            <a:endParaRPr lang="en-US" sz="1800" dirty="0">
+              <a:latin typeface="+mn-lt"/>
+            </a:endParaRPr>
+          </a:p>
+          <a:p>
+            <a:r>
+              <a:rPr lang="en-US" sz="1800" dirty="0">
+                <a:latin typeface="+mn-lt"/>
+              </a:rPr>
+              <a:t>Make sure to track your time</a:t>
+            </a:r>
+          </a:p>
+          <a:p>
+            <a:pPr marL="285750" lvl="1" indent="-285750">
+              <a:buFont typeface="Arial" panose="020B0604020202020204" pitchFamily="34" charset="0"/>
+              <a:buChar char="•"/>
+            </a:pPr>
+            <a:r>
+              <a:rPr lang="en-US" dirty="0">
+                <a:latin typeface="+mn-lt"/>
+              </a:rPr>
+              <a:t>Required to help track contributions to project</a:t>
+            </a:r>
+          </a:p>
+          <a:p>
+            <a:endParaRPr lang="en-US" sz="1800" dirty="0">
+              <a:latin typeface="+mn-lt"/>
+            </a:endParaRPr>
+          </a:p>
+          <a:p>
+            <a:r>
+              <a:rPr lang="en-US" sz="1800" dirty="0">
+                <a:latin typeface="+mn-lt"/>
+              </a:rPr>
+              <a:t>Make sure to complete in your Milestone Report</a:t>
+            </a:r>
+          </a:p>
+          <a:p>
+            <a:pPr marL="285750" lvl="1" indent="-285750">
+              <a:buFont typeface="Arial" panose="020B0604020202020204" pitchFamily="34" charset="0"/>
+              <a:buChar char="•"/>
+            </a:pPr>
+            <a:r>
+              <a:rPr lang="en-US" dirty="0">
+                <a:latin typeface="+mn-lt"/>
+              </a:rPr>
+              <a:t>Review responsible to submit it</a:t>
+            </a:r>
+          </a:p>
+          <a:p>
+            <a:pPr marL="285750" lvl="1" indent="-285750">
+              <a:buFont typeface="Arial" panose="020B0604020202020204" pitchFamily="34" charset="0"/>
+              <a:buChar char="•"/>
+            </a:pPr>
+            <a:r>
+              <a:rPr lang="en-US" dirty="0">
+                <a:latin typeface="+mn-lt"/>
+              </a:rPr>
+              <a:t>Parts of report should be completed by Driver/Nav</a:t>
+            </a:r>
+          </a:p>
+          <a:p>
+            <a:pPr marL="285750" lvl="1" indent="-285750">
+              <a:buFont typeface="Arial" panose="020B0604020202020204" pitchFamily="34" charset="0"/>
+              <a:buChar char="•"/>
+            </a:pPr>
+            <a:endParaRPr lang="en-US" dirty="0">
+              <a:latin typeface="+mn-lt"/>
+            </a:endParaRPr>
+          </a:p>
+          <a:p>
+            <a:pPr marL="285750" lvl="1" indent="-285750">
+              <a:buFont typeface="Arial" panose="020B0604020202020204" pitchFamily="34" charset="0"/>
+              <a:buChar char="•"/>
+            </a:pPr>
+            <a:endParaRPr lang="en-US" dirty="0">
+              <a:latin typeface="+mn-lt"/>
+            </a:endParaRPr>
+          </a:p>
+          <a:p>
+            <a:pPr lvl="1"/>
+            <a:r>
+              <a:rPr lang="en-US" dirty="0">
+                <a:latin typeface="+mn-lt"/>
+              </a:rPr>
+              <a:t>The Milestone Report is Submitted via </a:t>
+            </a:r>
+            <a:r>
+              <a:rPr lang="en-US" dirty="0" err="1">
+                <a:latin typeface="+mn-lt"/>
+              </a:rPr>
+              <a:t>GradeScope</a:t>
+            </a:r>
+            <a:endParaRPr lang="en-US" dirty="0">
+              <a:latin typeface="+mn-lt"/>
+            </a:endParaRPr>
+          </a:p>
+          <a:p>
+            <a:pPr lvl="1"/>
+            <a:r>
+              <a:rPr lang="en-US" dirty="0">
+                <a:latin typeface="+mn-lt"/>
+              </a:rPr>
+              <a:t>It provides a link to the template for you to complete the report.</a:t>
+            </a:r>
+          </a:p>
+        </p:txBody>
+      </p:sp>
       <p:pic>
         <p:nvPicPr>
           <p:cNvPr id="5" name="Picture 4">
@@ -3250,7 +3408,7 @@
         </p:blipFill>
         <p:spPr>
           <a:xfrm>
-            <a:off x="457200" y="1629114"/>
+            <a:off x="457200" y="5710920"/>
             <a:ext cx="4443351" cy="873480"/>
           </a:xfrm>
           <a:prstGeom prst="rect">
@@ -3263,40 +3421,10 @@
           </a:ln>
         </p:spPr>
       </p:pic>
-      <p:pic>
-        <p:nvPicPr>
-          <p:cNvPr id="7" name="Picture 6">
-            <a:extLst>
-              <a:ext uri="{FF2B5EF4-FFF2-40B4-BE49-F238E27FC236}">
-                <a16:creationId xmlns:a16="http://schemas.microsoft.com/office/drawing/2014/main" id="{F4380CA2-854B-0F0C-D2E7-0D00A6D43DE4}"/>
-              </a:ext>
-            </a:extLst>
-          </p:cNvPr>
-          <p:cNvPicPr>
-            <a:picLocks noChangeAspect="1"/>
-          </p:cNvPicPr>
-          <p:nvPr/>
-        </p:nvPicPr>
-        <p:blipFill>
-          <a:blip r:embed="rId3"/>
-          <a:stretch>
-            <a:fillRect/>
-          </a:stretch>
-        </p:blipFill>
-        <p:spPr>
-          <a:xfrm>
-            <a:off x="457200" y="2862999"/>
-            <a:ext cx="8267700" cy="3467100"/>
-          </a:xfrm>
-          <a:prstGeom prst="rect">
-            <a:avLst/>
-          </a:prstGeom>
-        </p:spPr>
-      </p:pic>
     </p:spTree>
     <p:extLst>
       <p:ext uri="{BB962C8B-B14F-4D97-AF65-F5344CB8AC3E}">
-        <p14:creationId xmlns:p14="http://schemas.microsoft.com/office/powerpoint/2010/main" val="1947000582"/>
+        <p14:creationId xmlns:p14="http://schemas.microsoft.com/office/powerpoint/2010/main" val="3087552328"/>
       </p:ext>
     </p:extLst>
   </p:cSld>
@@ -3328,7 +3456,7 @@
           <p:cNvPr id="2" name="Title 1">
             <a:extLst>
               <a:ext uri="{FF2B5EF4-FFF2-40B4-BE49-F238E27FC236}">
-                <a16:creationId xmlns:a16="http://schemas.microsoft.com/office/drawing/2014/main" id="{33F724FF-3857-EFC4-9F20-B1828F031CD3}"/>
+                <a16:creationId xmlns:a16="http://schemas.microsoft.com/office/drawing/2014/main" id="{BF567976-E928-43CC-347D-EDE1B4A0DDC9}"/>
               </a:ext>
             </a:extLst>
           </p:cNvPr>
@@ -3346,147 +3474,17 @@
           <a:p>
             <a:r>
               <a:rPr lang="en-US" dirty="0"/>
-              <a:t>Git Workflow Reminders</a:t>
-            </a:r>
-          </a:p>
-        </p:txBody>
-      </p:sp>
-      <p:sp>
-        <p:nvSpPr>
-          <p:cNvPr id="3" name="Subtitle 2">
+              <a:t>Milestone Due Soon!</a:t>
+            </a:r>
+          </a:p>
+        </p:txBody>
+      </p:sp>
+      <p:pic>
+        <p:nvPicPr>
+          <p:cNvPr id="5" name="Picture 4">
             <a:extLst>
               <a:ext uri="{FF2B5EF4-FFF2-40B4-BE49-F238E27FC236}">
-                <a16:creationId xmlns:a16="http://schemas.microsoft.com/office/drawing/2014/main" id="{4880D96C-8C4C-2C8D-0E04-FECD49121064}"/>
-              </a:ext>
-            </a:extLst>
-          </p:cNvPr>
-          <p:cNvSpPr>
-            <a:spLocks noGrp="1"/>
-          </p:cNvSpPr>
-          <p:nvPr>
-            <p:ph type="subTitle"/>
-          </p:nvPr>
-        </p:nvSpPr>
-        <p:spPr>
-          <a:xfrm>
-            <a:off x="216816" y="1215558"/>
-            <a:ext cx="8550111" cy="2609261"/>
-          </a:xfrm>
-        </p:spPr>
-        <p:txBody>
-          <a:bodyPr/>
-          <a:lstStyle/>
-          <a:p>
-            <a:pPr marL="514350" indent="-514350">
-              <a:buFont typeface="+mj-lt"/>
-              <a:buAutoNum type="arabicPeriod"/>
-            </a:pPr>
-            <a:r>
-              <a:rPr lang="en-US" sz="2800" dirty="0"/>
-              <a:t>Team-&gt;Pull (gets code from GitHub)</a:t>
-            </a:r>
-          </a:p>
-          <a:p>
-            <a:pPr marL="514350" indent="-514350">
-              <a:buFont typeface="+mj-lt"/>
-              <a:buAutoNum type="arabicPeriod"/>
-            </a:pPr>
-            <a:r>
-              <a:rPr lang="en-US" sz="2800" dirty="0"/>
-              <a:t>Edit (make local changes)</a:t>
-            </a:r>
-          </a:p>
-          <a:p>
-            <a:pPr marL="514350" indent="-514350">
-              <a:buFont typeface="+mj-lt"/>
-              <a:buAutoNum type="arabicPeriod"/>
-            </a:pPr>
-            <a:r>
-              <a:rPr lang="en-US" sz="2800" dirty="0"/>
-              <a:t>Team-&gt;Commit (add a message)</a:t>
-            </a:r>
-          </a:p>
-          <a:p>
-            <a:pPr marL="514350" indent="-514350">
-              <a:buFont typeface="+mj-lt"/>
-              <a:buAutoNum type="arabicPeriod"/>
-            </a:pPr>
-            <a:r>
-              <a:rPr lang="en-US" sz="2800" dirty="0"/>
-              <a:t>Team-&gt;Pull (to be safe and get latest version)</a:t>
-            </a:r>
-          </a:p>
-          <a:p>
-            <a:pPr marL="514350" indent="-514350">
-              <a:buFont typeface="+mj-lt"/>
-              <a:buAutoNum type="arabicPeriod"/>
-            </a:pPr>
-            <a:r>
-              <a:rPr lang="en-US" sz="2800" dirty="0"/>
-              <a:t>Team-&gt;Push (puts code on GitHub)</a:t>
-            </a:r>
-          </a:p>
-        </p:txBody>
-      </p:sp>
-      <p:sp>
-        <p:nvSpPr>
-          <p:cNvPr id="4" name="TextBox 3">
-            <a:extLst>
-              <a:ext uri="{FF2B5EF4-FFF2-40B4-BE49-F238E27FC236}">
-                <a16:creationId xmlns:a16="http://schemas.microsoft.com/office/drawing/2014/main" id="{C079437B-BAAB-6F6E-CEA8-79538B6DB421}"/>
-              </a:ext>
-            </a:extLst>
-          </p:cNvPr>
-          <p:cNvSpPr txBox="1"/>
-          <p:nvPr/>
-        </p:nvSpPr>
-        <p:spPr>
-          <a:xfrm>
-            <a:off x="216817" y="3923031"/>
-            <a:ext cx="6400799" cy="1477328"/>
-          </a:xfrm>
-          <a:prstGeom prst="rect">
-            <a:avLst/>
-          </a:prstGeom>
-          <a:noFill/>
-        </p:spPr>
-        <p:txBody>
-          <a:bodyPr wrap="square" rtlCol="0">
-            <a:spAutoFit/>
-          </a:bodyPr>
-          <a:lstStyle/>
-          <a:p>
-            <a:r>
-              <a:rPr lang="en-US" dirty="0"/>
-              <a:t>IF you get an error during step #1</a:t>
-            </a:r>
-          </a:p>
-          <a:p>
-            <a:r>
-              <a:rPr lang="en-US" b="1" i="1" dirty="0"/>
-              <a:t>File conflicts with FileX.java</a:t>
-            </a:r>
-          </a:p>
-          <a:p>
-            <a:r>
-              <a:rPr lang="en-US" dirty="0"/>
-              <a:t>Then IF you don’t care about .java on your computer and want the version on GitHub you can:</a:t>
-            </a:r>
-          </a:p>
-          <a:p>
-            <a:r>
-              <a:rPr lang="en-US" dirty="0"/>
-              <a:t>Right Click on FileX.java -&gt;Replace With-&gt; HEAD Revision</a:t>
-            </a:r>
-          </a:p>
-        </p:txBody>
-      </p:sp>
-      <p:pic>
-        <p:nvPicPr>
-          <p:cNvPr id="6" name="Picture 5">
-            <a:extLst>
-              <a:ext uri="{FF2B5EF4-FFF2-40B4-BE49-F238E27FC236}">
-                <a16:creationId xmlns:a16="http://schemas.microsoft.com/office/drawing/2014/main" id="{B1174F7C-BDEC-190E-AECB-5F48264D383A}"/>
+                <a16:creationId xmlns:a16="http://schemas.microsoft.com/office/drawing/2014/main" id="{A3B1609D-76EE-14BC-6B28-7105B0A07B12}"/>
               </a:ext>
             </a:extLst>
           </p:cNvPr>
@@ -3503,8 +3501,43 @@
         </p:blipFill>
         <p:spPr>
           <a:xfrm>
-            <a:off x="3636390" y="5724367"/>
-            <a:ext cx="5382376" cy="1133633"/>
+            <a:off x="457200" y="1629114"/>
+            <a:ext cx="4443351" cy="873480"/>
+          </a:xfrm>
+          <a:prstGeom prst="rect">
+            <a:avLst/>
+          </a:prstGeom>
+          <a:ln>
+            <a:solidFill>
+              <a:schemeClr val="tx1"/>
+            </a:solidFill>
+          </a:ln>
+        </p:spPr>
+      </p:pic>
+      <p:pic>
+        <p:nvPicPr>
+          <p:cNvPr id="7" name="Picture 6">
+            <a:extLst>
+              <a:ext uri="{FF2B5EF4-FFF2-40B4-BE49-F238E27FC236}">
+                <a16:creationId xmlns:a16="http://schemas.microsoft.com/office/drawing/2014/main" id="{F4380CA2-854B-0F0C-D2E7-0D00A6D43DE4}"/>
+              </a:ext>
+            </a:extLst>
+          </p:cNvPr>
+          <p:cNvPicPr>
+            <a:picLocks noChangeAspect="1"/>
+          </p:cNvPicPr>
+          <p:nvPr/>
+        </p:nvPicPr>
+        <p:blipFill>
+          <a:blip r:embed="rId3"/>
+          <a:stretch>
+            <a:fillRect/>
+          </a:stretch>
+        </p:blipFill>
+        <p:spPr>
+          <a:xfrm>
+            <a:off x="457200" y="2862999"/>
+            <a:ext cx="8267700" cy="3467100"/>
           </a:xfrm>
           <a:prstGeom prst="rect">
             <a:avLst/>
@@ -3514,7 +3547,7 @@
     </p:spTree>
     <p:extLst>
       <p:ext uri="{BB962C8B-B14F-4D97-AF65-F5344CB8AC3E}">
-        <p14:creationId xmlns:p14="http://schemas.microsoft.com/office/powerpoint/2010/main" val="2669352269"/>
+        <p14:creationId xmlns:p14="http://schemas.microsoft.com/office/powerpoint/2010/main" val="1947000582"/>
       </p:ext>
     </p:extLst>
   </p:cSld>
@@ -3546,6 +3579,224 @@
           <p:cNvPr id="2" name="Title 1">
             <a:extLst>
               <a:ext uri="{FF2B5EF4-FFF2-40B4-BE49-F238E27FC236}">
+                <a16:creationId xmlns:a16="http://schemas.microsoft.com/office/drawing/2014/main" id="{33F724FF-3857-EFC4-9F20-B1828F031CD3}"/>
+              </a:ext>
+            </a:extLst>
+          </p:cNvPr>
+          <p:cNvSpPr>
+            <a:spLocks noGrp="1"/>
+          </p:cNvSpPr>
+          <p:nvPr>
+            <p:ph type="title"/>
+          </p:nvPr>
+        </p:nvSpPr>
+        <p:spPr/>
+        <p:txBody>
+          <a:bodyPr/>
+          <a:lstStyle/>
+          <a:p>
+            <a:r>
+              <a:rPr lang="en-US" dirty="0"/>
+              <a:t>Git Workflow Reminders</a:t>
+            </a:r>
+          </a:p>
+        </p:txBody>
+      </p:sp>
+      <p:sp>
+        <p:nvSpPr>
+          <p:cNvPr id="3" name="Subtitle 2">
+            <a:extLst>
+              <a:ext uri="{FF2B5EF4-FFF2-40B4-BE49-F238E27FC236}">
+                <a16:creationId xmlns:a16="http://schemas.microsoft.com/office/drawing/2014/main" id="{4880D96C-8C4C-2C8D-0E04-FECD49121064}"/>
+              </a:ext>
+            </a:extLst>
+          </p:cNvPr>
+          <p:cNvSpPr>
+            <a:spLocks noGrp="1"/>
+          </p:cNvSpPr>
+          <p:nvPr>
+            <p:ph type="subTitle"/>
+          </p:nvPr>
+        </p:nvSpPr>
+        <p:spPr>
+          <a:xfrm>
+            <a:off x="216816" y="1215558"/>
+            <a:ext cx="8550111" cy="2609261"/>
+          </a:xfrm>
+        </p:spPr>
+        <p:txBody>
+          <a:bodyPr/>
+          <a:lstStyle/>
+          <a:p>
+            <a:pPr marL="514350" indent="-514350">
+              <a:buFont typeface="+mj-lt"/>
+              <a:buAutoNum type="arabicPeriod"/>
+            </a:pPr>
+            <a:r>
+              <a:rPr lang="en-US" sz="2800" dirty="0"/>
+              <a:t>Team-&gt;Pull (gets code from GitHub)</a:t>
+            </a:r>
+          </a:p>
+          <a:p>
+            <a:pPr marL="514350" indent="-514350">
+              <a:buFont typeface="+mj-lt"/>
+              <a:buAutoNum type="arabicPeriod"/>
+            </a:pPr>
+            <a:r>
+              <a:rPr lang="en-US" sz="2800" dirty="0"/>
+              <a:t>Edit (make local changes)</a:t>
+            </a:r>
+          </a:p>
+          <a:p>
+            <a:pPr marL="514350" indent="-514350">
+              <a:buFont typeface="+mj-lt"/>
+              <a:buAutoNum type="arabicPeriod"/>
+            </a:pPr>
+            <a:r>
+              <a:rPr lang="en-US" sz="2800" dirty="0"/>
+              <a:t>Team-&gt;Commit (add a message)</a:t>
+            </a:r>
+          </a:p>
+          <a:p>
+            <a:pPr marL="514350" indent="-514350">
+              <a:buFont typeface="+mj-lt"/>
+              <a:buAutoNum type="arabicPeriod"/>
+            </a:pPr>
+            <a:r>
+              <a:rPr lang="en-US" sz="2800" dirty="0"/>
+              <a:t>Team-&gt;Pull (to be safe and get latest version)</a:t>
+            </a:r>
+          </a:p>
+          <a:p>
+            <a:pPr marL="514350" indent="-514350">
+              <a:buFont typeface="+mj-lt"/>
+              <a:buAutoNum type="arabicPeriod"/>
+            </a:pPr>
+            <a:r>
+              <a:rPr lang="en-US" sz="2800" dirty="0"/>
+              <a:t>Team-&gt;Push (puts code on GitHub)</a:t>
+            </a:r>
+          </a:p>
+        </p:txBody>
+      </p:sp>
+      <p:sp>
+        <p:nvSpPr>
+          <p:cNvPr id="4" name="TextBox 3">
+            <a:extLst>
+              <a:ext uri="{FF2B5EF4-FFF2-40B4-BE49-F238E27FC236}">
+                <a16:creationId xmlns:a16="http://schemas.microsoft.com/office/drawing/2014/main" id="{C079437B-BAAB-6F6E-CEA8-79538B6DB421}"/>
+              </a:ext>
+            </a:extLst>
+          </p:cNvPr>
+          <p:cNvSpPr txBox="1"/>
+          <p:nvPr/>
+        </p:nvSpPr>
+        <p:spPr>
+          <a:xfrm>
+            <a:off x="216817" y="3923031"/>
+            <a:ext cx="6400799" cy="1477328"/>
+          </a:xfrm>
+          <a:prstGeom prst="rect">
+            <a:avLst/>
+          </a:prstGeom>
+          <a:noFill/>
+        </p:spPr>
+        <p:txBody>
+          <a:bodyPr wrap="square" rtlCol="0">
+            <a:spAutoFit/>
+          </a:bodyPr>
+          <a:lstStyle/>
+          <a:p>
+            <a:r>
+              <a:rPr lang="en-US" dirty="0"/>
+              <a:t>IF you get an error during step #1</a:t>
+            </a:r>
+          </a:p>
+          <a:p>
+            <a:r>
+              <a:rPr lang="en-US" b="1" i="1" dirty="0"/>
+              <a:t>File conflicts with FileX.java</a:t>
+            </a:r>
+          </a:p>
+          <a:p>
+            <a:r>
+              <a:rPr lang="en-US" dirty="0"/>
+              <a:t>Then IF you don’t care about .java on your computer and want the version on GitHub you can:</a:t>
+            </a:r>
+          </a:p>
+          <a:p>
+            <a:r>
+              <a:rPr lang="en-US" dirty="0"/>
+              <a:t>Right Click on FileX.java -&gt;Replace With-&gt; HEAD Revision</a:t>
+            </a:r>
+          </a:p>
+        </p:txBody>
+      </p:sp>
+      <p:pic>
+        <p:nvPicPr>
+          <p:cNvPr id="6" name="Picture 5">
+            <a:extLst>
+              <a:ext uri="{FF2B5EF4-FFF2-40B4-BE49-F238E27FC236}">
+                <a16:creationId xmlns:a16="http://schemas.microsoft.com/office/drawing/2014/main" id="{B1174F7C-BDEC-190E-AECB-5F48264D383A}"/>
+              </a:ext>
+            </a:extLst>
+          </p:cNvPr>
+          <p:cNvPicPr>
+            <a:picLocks noChangeAspect="1"/>
+          </p:cNvPicPr>
+          <p:nvPr/>
+        </p:nvPicPr>
+        <p:blipFill>
+          <a:blip r:embed="rId2"/>
+          <a:stretch>
+            <a:fillRect/>
+          </a:stretch>
+        </p:blipFill>
+        <p:spPr>
+          <a:xfrm>
+            <a:off x="3636390" y="5724367"/>
+            <a:ext cx="5382376" cy="1133633"/>
+          </a:xfrm>
+          <a:prstGeom prst="rect">
+            <a:avLst/>
+          </a:prstGeom>
+        </p:spPr>
+      </p:pic>
+    </p:spTree>
+    <p:extLst>
+      <p:ext uri="{BB962C8B-B14F-4D97-AF65-F5344CB8AC3E}">
+        <p14:creationId xmlns:p14="http://schemas.microsoft.com/office/powerpoint/2010/main" val="2669352269"/>
+      </p:ext>
+    </p:extLst>
+  </p:cSld>
+  <p:clrMapOvr>
+    <a:masterClrMapping/>
+  </p:clrMapOvr>
+</p:sld>
+</file>
+
+<file path=ppt/slides/slide6.xml><?xml version="1.0" encoding="utf-8"?>
+<p:sld xmlns:a="http://schemas.openxmlformats.org/drawingml/2006/main" xmlns:r="http://schemas.openxmlformats.org/officeDocument/2006/relationships" xmlns:p="http://schemas.openxmlformats.org/presentationml/2006/main">
+  <p:cSld>
+    <p:spTree>
+      <p:nvGrpSpPr>
+        <p:cNvPr id="1" name=""/>
+        <p:cNvGrpSpPr/>
+        <p:nvPr/>
+      </p:nvGrpSpPr>
+      <p:grpSpPr>
+        <a:xfrm>
+          <a:off x="0" y="0"/>
+          <a:ext cx="0" cy="0"/>
+          <a:chOff x="0" y="0"/>
+          <a:chExt cx="0" cy="0"/>
+        </a:xfrm>
+      </p:grpSpPr>
+      <p:sp>
+        <p:nvSpPr>
+          <p:cNvPr id="2" name="Title 1">
+            <a:extLst>
+              <a:ext uri="{FF2B5EF4-FFF2-40B4-BE49-F238E27FC236}">
                 <a16:creationId xmlns:a16="http://schemas.microsoft.com/office/drawing/2014/main" id="{1E9EA547-A796-77BE-4F60-B759C04F9570}"/>
               </a:ext>
             </a:extLst>
@@ -3655,7 +3906,214 @@
 </p:sld>
 </file>
 
-<file path=ppt/slides/slide6.xml><?xml version="1.0" encoding="utf-8"?>
+<file path=ppt/slides/slide7.xml><?xml version="1.0" encoding="utf-8"?>
+<p:sld xmlns:a="http://schemas.openxmlformats.org/drawingml/2006/main" xmlns:r="http://schemas.openxmlformats.org/officeDocument/2006/relationships" xmlns:p="http://schemas.openxmlformats.org/presentationml/2006/main">
+  <p:cSld>
+    <p:spTree>
+      <p:nvGrpSpPr>
+        <p:cNvPr id="1" name=""/>
+        <p:cNvGrpSpPr/>
+        <p:nvPr/>
+      </p:nvGrpSpPr>
+      <p:grpSpPr>
+        <a:xfrm>
+          <a:off x="0" y="0"/>
+          <a:ext cx="0" cy="0"/>
+          <a:chOff x="0" y="0"/>
+          <a:chExt cx="0" cy="0"/>
+        </a:xfrm>
+      </p:grpSpPr>
+      <p:sp>
+        <p:nvSpPr>
+          <p:cNvPr id="2" name="Title 1">
+            <a:extLst>
+              <a:ext uri="{FF2B5EF4-FFF2-40B4-BE49-F238E27FC236}">
+                <a16:creationId xmlns:a16="http://schemas.microsoft.com/office/drawing/2014/main" id="{8BF44143-E8E4-78B3-B9AB-90518DE684A9}"/>
+              </a:ext>
+            </a:extLst>
+          </p:cNvPr>
+          <p:cNvSpPr>
+            <a:spLocks noGrp="1"/>
+          </p:cNvSpPr>
+          <p:nvPr>
+            <p:ph type="title"/>
+          </p:nvPr>
+        </p:nvSpPr>
+        <p:spPr>
+          <a:xfrm>
+            <a:off x="372359" y="151051"/>
+            <a:ext cx="8229240" cy="546533"/>
+          </a:xfrm>
+        </p:spPr>
+        <p:txBody>
+          <a:bodyPr/>
+          <a:lstStyle/>
+          <a:p>
+            <a:r>
+              <a:rPr lang="en-US" sz="2400" b="1" i="0" dirty="0">
+                <a:solidFill>
+                  <a:srgbClr val="1F2328"/>
+                </a:solidFill>
+                <a:effectLst/>
+                <a:latin typeface="-apple-system"/>
+              </a:rPr>
+              <a:t>Why are my contributions not showing up on my profile?</a:t>
+            </a:r>
+            <a:br>
+              <a:rPr lang="en-US" sz="2400" b="1" i="0" dirty="0">
+                <a:solidFill>
+                  <a:srgbClr val="1F2328"/>
+                </a:solidFill>
+                <a:effectLst/>
+                <a:latin typeface="-apple-system"/>
+              </a:rPr>
+            </a:br>
+            <a:endParaRPr lang="en-US" sz="2400" dirty="0"/>
+          </a:p>
+        </p:txBody>
+      </p:sp>
+      <p:sp>
+        <p:nvSpPr>
+          <p:cNvPr id="3" name="Subtitle 2">
+            <a:extLst>
+              <a:ext uri="{FF2B5EF4-FFF2-40B4-BE49-F238E27FC236}">
+                <a16:creationId xmlns:a16="http://schemas.microsoft.com/office/drawing/2014/main" id="{F212B793-B7D9-7AA4-4601-5F6753967AF2}"/>
+              </a:ext>
+            </a:extLst>
+          </p:cNvPr>
+          <p:cNvSpPr>
+            <a:spLocks noGrp="1"/>
+          </p:cNvSpPr>
+          <p:nvPr>
+            <p:ph type="subTitle"/>
+          </p:nvPr>
+        </p:nvSpPr>
+        <p:spPr>
+          <a:xfrm>
+            <a:off x="372359" y="4590853"/>
+            <a:ext cx="8229240" cy="341684"/>
+          </a:xfrm>
+        </p:spPr>
+        <p:txBody>
+          <a:bodyPr/>
+          <a:lstStyle/>
+          <a:p>
+            <a:pPr marL="0" indent="0">
+              <a:buNone/>
+            </a:pPr>
+            <a:r>
+              <a:rPr lang="en-US" sz="1800" dirty="0">
+                <a:hlinkClick r:id="rId2"/>
+              </a:rPr>
+              <a:t>https://docs.github.com/en/account-and-profile/setting-up-and-managing-your-github-profile/managing-contribution-settings-on-your-profile/why-are-my-contributions-not-showing-up-on-my-profile#your-local-git-commit-email-isnt-connected-to-your-account</a:t>
+            </a:r>
+            <a:endParaRPr lang="en-US" sz="1800" dirty="0"/>
+          </a:p>
+          <a:p>
+            <a:pPr marL="0" indent="0">
+              <a:buNone/>
+            </a:pPr>
+            <a:endParaRPr lang="en-US" sz="1800" dirty="0"/>
+          </a:p>
+          <a:p>
+            <a:endParaRPr lang="en-US" dirty="0"/>
+          </a:p>
+          <a:p>
+            <a:endParaRPr lang="en-US" dirty="0"/>
+          </a:p>
+        </p:txBody>
+      </p:sp>
+      <p:pic>
+        <p:nvPicPr>
+          <p:cNvPr id="1026" name="Picture 2">
+            <a:extLst>
+              <a:ext uri="{FF2B5EF4-FFF2-40B4-BE49-F238E27FC236}">
+                <a16:creationId xmlns:a16="http://schemas.microsoft.com/office/drawing/2014/main" id="{63B86F67-15D1-B49A-A0EC-3B1B42968793}"/>
+              </a:ext>
+            </a:extLst>
+          </p:cNvPr>
+          <p:cNvPicPr>
+            <a:picLocks noChangeAspect="1" noChangeArrowheads="1"/>
+          </p:cNvPicPr>
+          <p:nvPr/>
+        </p:nvPicPr>
+        <p:blipFill>
+          <a:blip r:embed="rId3">
+            <a:extLst>
+              <a:ext uri="{28A0092B-C50C-407E-A947-70E740481C1C}">
+                <a14:useLocalDpi xmlns:a14="http://schemas.microsoft.com/office/drawing/2010/main" val="0"/>
+              </a:ext>
+            </a:extLst>
+          </a:blip>
+          <a:srcRect/>
+          <a:stretch>
+            <a:fillRect/>
+          </a:stretch>
+        </p:blipFill>
+        <p:spPr bwMode="auto">
+          <a:xfrm>
+            <a:off x="372359" y="697584"/>
+            <a:ext cx="5992102" cy="2731416"/>
+          </a:xfrm>
+          <a:prstGeom prst="rect">
+            <a:avLst/>
+          </a:prstGeom>
+          <a:noFill/>
+          <a:extLst>
+            <a:ext uri="{909E8E84-426E-40DD-AFC4-6F175D3DCCD1}">
+              <a14:hiddenFill xmlns:a14="http://schemas.microsoft.com/office/drawing/2010/main">
+                <a:solidFill>
+                  <a:srgbClr val="FFFFFF"/>
+                </a:solidFill>
+              </a14:hiddenFill>
+            </a:ext>
+          </a:extLst>
+        </p:spPr>
+      </p:pic>
+      <p:pic>
+        <p:nvPicPr>
+          <p:cNvPr id="5" name="Picture 4">
+            <a:extLst>
+              <a:ext uri="{FF2B5EF4-FFF2-40B4-BE49-F238E27FC236}">
+                <a16:creationId xmlns:a16="http://schemas.microsoft.com/office/drawing/2014/main" id="{8D9A7271-0A4F-6890-93DD-7D3E5EEDC286}"/>
+              </a:ext>
+            </a:extLst>
+          </p:cNvPr>
+          <p:cNvPicPr>
+            <a:picLocks noChangeAspect="1"/>
+          </p:cNvPicPr>
+          <p:nvPr/>
+        </p:nvPicPr>
+        <p:blipFill>
+          <a:blip r:embed="rId4"/>
+          <a:stretch>
+            <a:fillRect/>
+          </a:stretch>
+        </p:blipFill>
+        <p:spPr>
+          <a:xfrm>
+            <a:off x="-180" y="4932537"/>
+            <a:ext cx="9144000" cy="1925463"/>
+          </a:xfrm>
+          <a:prstGeom prst="rect">
+            <a:avLst/>
+          </a:prstGeom>
+        </p:spPr>
+      </p:pic>
+    </p:spTree>
+    <p:extLst>
+      <p:ext uri="{BB962C8B-B14F-4D97-AF65-F5344CB8AC3E}">
+        <p14:creationId xmlns:p14="http://schemas.microsoft.com/office/powerpoint/2010/main" val="1523766582"/>
+      </p:ext>
+    </p:extLst>
+  </p:cSld>
+  <p:clrMapOvr>
+    <a:masterClrMapping/>
+  </p:clrMapOvr>
+</p:sld>
+</file>
+
+<file path=ppt/slides/slide8.xml><?xml version="1.0" encoding="utf-8"?>
 <p:sld xmlns:a="http://schemas.openxmlformats.org/drawingml/2006/main" xmlns:r="http://schemas.openxmlformats.org/officeDocument/2006/relationships" xmlns:p="http://schemas.openxmlformats.org/presentationml/2006/main">
   <p:cSld>
     <p:spTree>
@@ -4293,6 +4751,17 @@
 </file>
 
 <file path=customXml/item2.xml><?xml version="1.0" encoding="utf-8"?>
+<p:properties xmlns:p="http://schemas.microsoft.com/office/2006/metadata/properties" xmlns:xsi="http://www.w3.org/2001/XMLSchema-instance" xmlns:pc="http://schemas.microsoft.com/office/infopath/2007/PartnerControls">
+  <documentManagement>
+    <TaxCatchAll xmlns="820f9cb1-409d-4c4b-8197-1d4f7dd48124" xsi:nil="true"/>
+    <lcf76f155ced4ddcb4097134ff3c332f xmlns="08600313-7276-4ca7-b5d3-7d86193ee0ac">
+      <Terms xmlns="http://schemas.microsoft.com/office/infopath/2007/PartnerControls"/>
+    </lcf76f155ced4ddcb4097134ff3c332f>
+  </documentManagement>
+</p:properties>
+</file>
+
+<file path=customXml/item3.xml><?xml version="1.0" encoding="utf-8"?>
 <ct:contentTypeSchema xmlns:ct="http://schemas.microsoft.com/office/2006/metadata/contentType" xmlns:ma="http://schemas.microsoft.com/office/2006/metadata/properties/metaAttributes" ct:_="" ma:_="" ma:contentTypeName="Document" ma:contentTypeID="0x0101004285D81DBE5F5A448E892B34D6B8CF20" ma:contentTypeVersion="8" ma:contentTypeDescription="Create a new document." ma:contentTypeScope="" ma:versionID="ecce54155d2ea7caa9aed06c8b6b9867">
   <xsd:schema xmlns:xsd="http://www.w3.org/2001/XMLSchema" xmlns:xs="http://www.w3.org/2001/XMLSchema" xmlns:p="http://schemas.microsoft.com/office/2006/metadata/properties" xmlns:ns2="08600313-7276-4ca7-b5d3-7d86193ee0ac" xmlns:ns3="820f9cb1-409d-4c4b-8197-1d4f7dd48124" targetNamespace="http://schemas.microsoft.com/office/2006/metadata/properties" ma:root="true" ma:fieldsID="bfd7385540b70b2fe84ac888cc214377" ns2:_="" ns3:_="">
     <xsd:import namespace="08600313-7276-4ca7-b5d3-7d86193ee0ac"/>
@@ -4469,17 +4938,6 @@
 </ct:contentTypeSchema>
 </file>
 
-<file path=customXml/item3.xml><?xml version="1.0" encoding="utf-8"?>
-<p:properties xmlns:p="http://schemas.microsoft.com/office/2006/metadata/properties" xmlns:xsi="http://www.w3.org/2001/XMLSchema-instance" xmlns:pc="http://schemas.microsoft.com/office/infopath/2007/PartnerControls">
-  <documentManagement>
-    <TaxCatchAll xmlns="820f9cb1-409d-4c4b-8197-1d4f7dd48124" xsi:nil="true"/>
-    <lcf76f155ced4ddcb4097134ff3c332f xmlns="08600313-7276-4ca7-b5d3-7d86193ee0ac">
-      <Terms xmlns="http://schemas.microsoft.com/office/infopath/2007/PartnerControls"/>
-    </lcf76f155ced4ddcb4097134ff3c332f>
-  </documentManagement>
-</p:properties>
-</file>
-
 <file path=customXml/itemProps1.xml><?xml version="1.0" encoding="utf-8"?>
 <ds:datastoreItem xmlns:ds="http://schemas.openxmlformats.org/officeDocument/2006/customXml" ds:itemID="{3EBE5BB5-16D8-4951-9C8D-E0DF199895E2}">
   <ds:schemaRefs>
@@ -4489,6 +4947,17 @@
 </file>
 
 <file path=customXml/itemProps2.xml><?xml version="1.0" encoding="utf-8"?>
+<ds:datastoreItem xmlns:ds="http://schemas.openxmlformats.org/officeDocument/2006/customXml" ds:itemID="{5634EF7E-5EA3-49C2-BE7A-FEA82609F7D8}">
+  <ds:schemaRefs>
+    <ds:schemaRef ds:uri="http://schemas.microsoft.com/office/2006/metadata/properties"/>
+    <ds:schemaRef ds:uri="http://schemas.microsoft.com/office/infopath/2007/PartnerControls"/>
+    <ds:schemaRef ds:uri="820f9cb1-409d-4c4b-8197-1d4f7dd48124"/>
+    <ds:schemaRef ds:uri="08600313-7276-4ca7-b5d3-7d86193ee0ac"/>
+  </ds:schemaRefs>
+</ds:datastoreItem>
+</file>
+
+<file path=customXml/itemProps3.xml><?xml version="1.0" encoding="utf-8"?>
 <ds:datastoreItem xmlns:ds="http://schemas.openxmlformats.org/officeDocument/2006/customXml" ds:itemID="{749915E0-C9C6-4DE7-A4C1-4F6BBE656611}">
   <ds:schemaRefs>
     <ds:schemaRef ds:uri="http://schemas.microsoft.com/office/2006/metadata/contentType"/>
@@ -4505,15 +4974,4 @@
     <ds:schemaRef ds:uri="http://schemas.microsoft.com/internal/obd"/>
   </ds:schemaRefs>
 </ds:datastoreItem>
-</file>
-
-<file path=customXml/itemProps3.xml><?xml version="1.0" encoding="utf-8"?>
-<ds:datastoreItem xmlns:ds="http://schemas.openxmlformats.org/officeDocument/2006/customXml" ds:itemID="{5634EF7E-5EA3-49C2-BE7A-FEA82609F7D8}">
-  <ds:schemaRefs>
-    <ds:schemaRef ds:uri="http://schemas.microsoft.com/office/2006/metadata/properties"/>
-    <ds:schemaRef ds:uri="http://schemas.microsoft.com/office/infopath/2007/PartnerControls"/>
-    <ds:schemaRef ds:uri="820f9cb1-409d-4c4b-8197-1d4f7dd48124"/>
-    <ds:schemaRef ds:uri="08600313-7276-4ca7-b5d3-7d86193ee0ac"/>
-  </ds:schemaRefs>
-</ds:datastoreItem>
 </file>
--- a/ClassMaterials/CollisionHandling/Slides/Part2-ProjectReminders.pptx
+++ b/ClassMaterials/CollisionHandling/Slides/Part2-ProjectReminders.pptx
@@ -125,7 +125,7 @@
 <file path=ppt/revisionInfo.xml><?xml version="1.0" encoding="utf-8"?>
 <p1510:revInfo xmlns:a="http://schemas.openxmlformats.org/drawingml/2006/main" xmlns:r="http://schemas.openxmlformats.org/officeDocument/2006/relationships" xmlns:p1510="http://schemas.microsoft.com/office/powerpoint/2015/10/main">
   <p1510:revLst>
-    <p1510:client id="{6029C006-0B8B-4AA5-A632-F6B87C7BDE06}" v="10" dt="2023-10-27T09:39:34.563"/>
+    <p1510:client id="{944C3CC4-2C23-4AAA-8AC6-59618683363C}" v="1" dt="2023-11-20T21:31:45.484"/>
   </p1510:revLst>
 </p1510:revInfo>
 </file>
@@ -222,6 +222,38 @@
             <pc:docMk/>
             <pc:sldMk cId="2497465916" sldId="280"/>
             <ac:spMk id="129" creationId="{00000000-0000-0000-0000-000000000000}"/>
+          </ac:spMkLst>
+        </pc:spChg>
+      </pc:sldChg>
+    </pc:docChg>
+  </pc:docChgLst>
+  <pc:docChgLst>
+    <pc:chgData name="Yoder, Jason" userId="28f4d4d8-da04-4f86-b14d-a21675737bc5" providerId="ADAL" clId="{944C3CC4-2C23-4AAA-8AC6-59618683363C}"/>
+    <pc:docChg chg="custSel modSld">
+      <pc:chgData name="Yoder, Jason" userId="28f4d4d8-da04-4f86-b14d-a21675737bc5" providerId="ADAL" clId="{944C3CC4-2C23-4AAA-8AC6-59618683363C}" dt="2023-11-20T21:32:05.138" v="31" actId="20577"/>
+      <pc:docMkLst>
+        <pc:docMk/>
+      </pc:docMkLst>
+      <pc:sldChg chg="addSp delSp modSp mod">
+        <pc:chgData name="Yoder, Jason" userId="28f4d4d8-da04-4f86-b14d-a21675737bc5" providerId="ADAL" clId="{944C3CC4-2C23-4AAA-8AC6-59618683363C}" dt="2023-11-20T21:32:05.138" v="31" actId="20577"/>
+        <pc:sldMkLst>
+          <pc:docMk/>
+          <pc:sldMk cId="2301447878" sldId="263"/>
+        </pc:sldMkLst>
+        <pc:spChg chg="del mod">
+          <ac:chgData name="Yoder, Jason" userId="28f4d4d8-da04-4f86-b14d-a21675737bc5" providerId="ADAL" clId="{944C3CC4-2C23-4AAA-8AC6-59618683363C}" dt="2023-11-20T21:31:40.889" v="23" actId="478"/>
+          <ac:spMkLst>
+            <pc:docMk/>
+            <pc:sldMk cId="2301447878" sldId="263"/>
+            <ac:spMk id="3" creationId="{F75BF7F9-774C-9A75-7953-DC95912BEE10}"/>
+          </ac:spMkLst>
+        </pc:spChg>
+        <pc:spChg chg="add mod">
+          <ac:chgData name="Yoder, Jason" userId="28f4d4d8-da04-4f86-b14d-a21675737bc5" providerId="ADAL" clId="{944C3CC4-2C23-4AAA-8AC6-59618683363C}" dt="2023-11-20T21:32:05.138" v="31" actId="20577"/>
+          <ac:spMkLst>
+            <pc:docMk/>
+            <pc:sldMk cId="2301447878" sldId="263"/>
+            <ac:spMk id="4" creationId="{43713CEB-82EC-C97C-9FE4-0878DC3D1B89}"/>
           </ac:spMkLst>
         </pc:spChg>
       </pc:sldChg>
@@ -3037,28 +3069,30 @@
       </p:sp>
       <p:sp>
         <p:nvSpPr>
-          <p:cNvPr id="3" name="Subtitle 2">
+          <p:cNvPr id="4" name="TextBox 3">
             <a:extLst>
               <a:ext uri="{FF2B5EF4-FFF2-40B4-BE49-F238E27FC236}">
-                <a16:creationId xmlns:a16="http://schemas.microsoft.com/office/drawing/2014/main" id="{F75BF7F9-774C-9A75-7953-DC95912BEE10}"/>
+                <a16:creationId xmlns:a16="http://schemas.microsoft.com/office/drawing/2014/main" id="{43713CEB-82EC-C97C-9FE4-0878DC3D1B89}"/>
               </a:ext>
             </a:extLst>
           </p:cNvPr>
-          <p:cNvSpPr>
-            <a:spLocks noGrp="1"/>
-          </p:cNvSpPr>
-          <p:nvPr>
-            <p:ph type="subTitle"/>
-          </p:nvPr>
-        </p:nvSpPr>
-        <p:spPr>
-          <a:xfrm>
-            <a:off x="131976" y="1418400"/>
-            <a:ext cx="8870623" cy="4892510"/>
-          </a:xfrm>
-        </p:spPr>
-        <p:txBody>
-          <a:bodyPr/>
+          <p:cNvSpPr txBox="1"/>
+          <p:nvPr/>
+        </p:nvSpPr>
+        <p:spPr>
+          <a:xfrm>
+            <a:off x="378823" y="1789611"/>
+            <a:ext cx="8033657" cy="3693319"/>
+          </a:xfrm>
+          <a:prstGeom prst="rect">
+            <a:avLst/>
+          </a:prstGeom>
+          <a:noFill/>
+        </p:spPr>
+        <p:txBody>
+          <a:bodyPr wrap="square" rtlCol="0">
+            <a:spAutoFit/>
+          </a:bodyPr>
           <a:lstStyle/>
           <a:p>
             <a:r>
@@ -3067,20 +3101,29 @@
             </a:r>
           </a:p>
           <a:p>
-            <a:pPr lvl="1"/>
+            <a:pPr marL="285750" indent="-285750">
+              <a:buFont typeface="Arial" panose="020B0604020202020204" pitchFamily="34" charset="0"/>
+              <a:buChar char="•"/>
+            </a:pPr>
             <a:r>
               <a:rPr lang="en-US" dirty="0"/>
               <a:t>Use the keyboard (Arcade Game)</a:t>
             </a:r>
           </a:p>
           <a:p>
-            <a:pPr lvl="1"/>
+            <a:pPr marL="285750" indent="-285750">
+              <a:buFont typeface="Arial" panose="020B0604020202020204" pitchFamily="34" charset="0"/>
+              <a:buChar char="•"/>
+            </a:pPr>
             <a:r>
               <a:rPr lang="en-US" dirty="0"/>
               <a:t>Browse to find files (GARP)</a:t>
             </a:r>
           </a:p>
           <a:p>
+            <a:endParaRPr lang="en-US" dirty="0"/>
+          </a:p>
+          <a:p>
             <a:r>
               <a:rPr lang="en-US" dirty="0"/>
               <a:t>You may use Google/etc. to learn how to.</a:t>
@@ -3089,12 +3132,15 @@
           <a:p>
             <a:r>
               <a:rPr lang="en-US" dirty="0"/>
-              <a:t>We want you to demonstrate </a:t>
-            </a:r>
-            <a:r>
-              <a:rPr lang="en-US" u="sng" dirty="0"/>
-              <a:t>learning independently</a:t>
-            </a:r>
+              <a:t>We want you to </a:t>
+            </a:r>
+            <a:r>
+              <a:rPr lang="en-US" b="1" u="sng" dirty="0"/>
+              <a:t>demonstrate learning independently</a:t>
+            </a:r>
+          </a:p>
+          <a:p>
+            <a:endParaRPr lang="en-US" dirty="0"/>
           </a:p>
           <a:p>
             <a:r>
@@ -3103,13 +3149,19 @@
             </a:r>
           </a:p>
           <a:p>
+            <a:endParaRPr lang="en-US" dirty="0"/>
+          </a:p>
+          <a:p>
             <a:r>
               <a:rPr lang="en-US" dirty="0"/>
               <a:t>Some hints:</a:t>
             </a:r>
           </a:p>
           <a:p>
-            <a:pPr lvl="1"/>
+            <a:pPr marL="285750" indent="-285750">
+              <a:buFont typeface="Arial" panose="020B0604020202020204" pitchFamily="34" charset="0"/>
+              <a:buChar char="•"/>
+            </a:pPr>
             <a:r>
               <a:rPr lang="en-US" dirty="0" err="1"/>
               <a:t>ArcadeGame</a:t>
@@ -3119,10 +3171,7 @@
               <a:t> (</a:t>
             </a:r>
             <a:r>
-              <a:rPr lang="en-US" b="1" dirty="0" err="1">
-                <a:latin typeface="Calibri" panose="020F0502020204030204" pitchFamily="34" charset="0"/>
-                <a:cs typeface="Calibri" panose="020F0502020204030204" pitchFamily="34" charset="0"/>
-              </a:rPr>
+              <a:rPr lang="en-US" dirty="0" err="1"/>
               <a:t>KeyListener</a:t>
             </a:r>
             <a:r>
@@ -3131,16 +3180,16 @@
             </a:r>
           </a:p>
           <a:p>
-            <a:pPr lvl="1"/>
+            <a:pPr marL="285750" indent="-285750">
+              <a:buFont typeface="Arial" panose="020B0604020202020204" pitchFamily="34" charset="0"/>
+              <a:buChar char="•"/>
+            </a:pPr>
             <a:r>
               <a:rPr lang="en-US" dirty="0"/>
               <a:t>GARP (</a:t>
             </a:r>
             <a:r>
-              <a:rPr lang="en-US" b="1" dirty="0" err="1">
-                <a:latin typeface="Calibri" panose="020F0502020204030204" pitchFamily="34" charset="0"/>
-                <a:cs typeface="Calibri" panose="020F0502020204030204" pitchFamily="34" charset="0"/>
-              </a:rPr>
+              <a:rPr lang="en-US" dirty="0" err="1"/>
               <a:t>JFileChooser</a:t>
             </a:r>
             <a:r>
@@ -4742,26 +4791,6 @@
 </file>
 
 <file path=customXml/item1.xml><?xml version="1.0" encoding="utf-8"?>
-<?mso-contentType ?>
-<FormTemplates xmlns="http://schemas.microsoft.com/sharepoint/v3/contenttype/forms">
-  <Display>DocumentLibraryForm</Display>
-  <Edit>DocumentLibraryForm</Edit>
-  <New>DocumentLibraryForm</New>
-</FormTemplates>
-</file>
-
-<file path=customXml/item2.xml><?xml version="1.0" encoding="utf-8"?>
-<p:properties xmlns:p="http://schemas.microsoft.com/office/2006/metadata/properties" xmlns:xsi="http://www.w3.org/2001/XMLSchema-instance" xmlns:pc="http://schemas.microsoft.com/office/infopath/2007/PartnerControls">
-  <documentManagement>
-    <TaxCatchAll xmlns="820f9cb1-409d-4c4b-8197-1d4f7dd48124" xsi:nil="true"/>
-    <lcf76f155ced4ddcb4097134ff3c332f xmlns="08600313-7276-4ca7-b5d3-7d86193ee0ac">
-      <Terms xmlns="http://schemas.microsoft.com/office/infopath/2007/PartnerControls"/>
-    </lcf76f155ced4ddcb4097134ff3c332f>
-  </documentManagement>
-</p:properties>
-</file>
-
-<file path=customXml/item3.xml><?xml version="1.0" encoding="utf-8"?>
 <ct:contentTypeSchema xmlns:ct="http://schemas.microsoft.com/office/2006/metadata/contentType" xmlns:ma="http://schemas.microsoft.com/office/2006/metadata/properties/metaAttributes" ct:_="" ma:_="" ma:contentTypeName="Document" ma:contentTypeID="0x0101004285D81DBE5F5A448E892B34D6B8CF20" ma:contentTypeVersion="8" ma:contentTypeDescription="Create a new document." ma:contentTypeScope="" ma:versionID="ecce54155d2ea7caa9aed06c8b6b9867">
   <xsd:schema xmlns:xsd="http://www.w3.org/2001/XMLSchema" xmlns:xs="http://www.w3.org/2001/XMLSchema" xmlns:p="http://schemas.microsoft.com/office/2006/metadata/properties" xmlns:ns2="08600313-7276-4ca7-b5d3-7d86193ee0ac" xmlns:ns3="820f9cb1-409d-4c4b-8197-1d4f7dd48124" targetNamespace="http://schemas.microsoft.com/office/2006/metadata/properties" ma:root="true" ma:fieldsID="bfd7385540b70b2fe84ac888cc214377" ns2:_="" ns3:_="">
     <xsd:import namespace="08600313-7276-4ca7-b5d3-7d86193ee0ac"/>
@@ -4938,10 +4967,41 @@
 </ct:contentTypeSchema>
 </file>
 
+<file path=customXml/item2.xml><?xml version="1.0" encoding="utf-8"?>
+<p:properties xmlns:p="http://schemas.microsoft.com/office/2006/metadata/properties" xmlns:xsi="http://www.w3.org/2001/XMLSchema-instance" xmlns:pc="http://schemas.microsoft.com/office/infopath/2007/PartnerControls">
+  <documentManagement>
+    <TaxCatchAll xmlns="820f9cb1-409d-4c4b-8197-1d4f7dd48124" xsi:nil="true"/>
+    <lcf76f155ced4ddcb4097134ff3c332f xmlns="08600313-7276-4ca7-b5d3-7d86193ee0ac">
+      <Terms xmlns="http://schemas.microsoft.com/office/infopath/2007/PartnerControls"/>
+    </lcf76f155ced4ddcb4097134ff3c332f>
+  </documentManagement>
+</p:properties>
+</file>
+
+<file path=customXml/item3.xml><?xml version="1.0" encoding="utf-8"?>
+<?mso-contentType ?>
+<FormTemplates xmlns="http://schemas.microsoft.com/sharepoint/v3/contenttype/forms">
+  <Display>DocumentLibraryForm</Display>
+  <Edit>DocumentLibraryForm</Edit>
+  <New>DocumentLibraryForm</New>
+</FormTemplates>
+</file>
+
 <file path=customXml/itemProps1.xml><?xml version="1.0" encoding="utf-8"?>
-<ds:datastoreItem xmlns:ds="http://schemas.openxmlformats.org/officeDocument/2006/customXml" ds:itemID="{3EBE5BB5-16D8-4951-9C8D-E0DF199895E2}">
+<ds:datastoreItem xmlns:ds="http://schemas.openxmlformats.org/officeDocument/2006/customXml" ds:itemID="{749915E0-C9C6-4DE7-A4C1-4F6BBE656611}">
   <ds:schemaRefs>
-    <ds:schemaRef ds:uri="http://schemas.microsoft.com/sharepoint/v3/contenttype/forms"/>
+    <ds:schemaRef ds:uri="http://schemas.microsoft.com/office/2006/metadata/contentType"/>
+    <ds:schemaRef ds:uri="http://schemas.microsoft.com/office/2006/metadata/properties/metaAttributes"/>
+    <ds:schemaRef ds:uri="http://www.w3.org/2001/XMLSchema"/>
+    <ds:schemaRef ds:uri="http://schemas.microsoft.com/office/2006/metadata/properties"/>
+    <ds:schemaRef ds:uri="08600313-7276-4ca7-b5d3-7d86193ee0ac"/>
+    <ds:schemaRef ds:uri="820f9cb1-409d-4c4b-8197-1d4f7dd48124"/>
+    <ds:schemaRef ds:uri="http://schemas.microsoft.com/office/2006/documentManagement/types"/>
+    <ds:schemaRef ds:uri="http://schemas.microsoft.com/office/infopath/2007/PartnerControls"/>
+    <ds:schemaRef ds:uri="http://schemas.openxmlformats.org/package/2006/metadata/core-properties"/>
+    <ds:schemaRef ds:uri="http://purl.org/dc/elements/1.1/"/>
+    <ds:schemaRef ds:uri="http://purl.org/dc/terms/"/>
+    <ds:schemaRef ds:uri="http://schemas.microsoft.com/internal/obd"/>
   </ds:schemaRefs>
 </ds:datastoreItem>
 </file>
@@ -4958,20 +5018,9 @@
 </file>
 
 <file path=customXml/itemProps3.xml><?xml version="1.0" encoding="utf-8"?>
-<ds:datastoreItem xmlns:ds="http://schemas.openxmlformats.org/officeDocument/2006/customXml" ds:itemID="{749915E0-C9C6-4DE7-A4C1-4F6BBE656611}">
+<ds:datastoreItem xmlns:ds="http://schemas.openxmlformats.org/officeDocument/2006/customXml" ds:itemID="{3EBE5BB5-16D8-4951-9C8D-E0DF199895E2}">
   <ds:schemaRefs>
-    <ds:schemaRef ds:uri="http://schemas.microsoft.com/office/2006/metadata/contentType"/>
-    <ds:schemaRef ds:uri="http://schemas.microsoft.com/office/2006/metadata/properties/metaAttributes"/>
-    <ds:schemaRef ds:uri="http://www.w3.org/2001/XMLSchema"/>
-    <ds:schemaRef ds:uri="http://schemas.microsoft.com/office/2006/metadata/properties"/>
-    <ds:schemaRef ds:uri="08600313-7276-4ca7-b5d3-7d86193ee0ac"/>
-    <ds:schemaRef ds:uri="820f9cb1-409d-4c4b-8197-1d4f7dd48124"/>
-    <ds:schemaRef ds:uri="http://schemas.microsoft.com/office/2006/documentManagement/types"/>
-    <ds:schemaRef ds:uri="http://schemas.microsoft.com/office/infopath/2007/PartnerControls"/>
-    <ds:schemaRef ds:uri="http://schemas.openxmlformats.org/package/2006/metadata/core-properties"/>
-    <ds:schemaRef ds:uri="http://purl.org/dc/elements/1.1/"/>
-    <ds:schemaRef ds:uri="http://purl.org/dc/terms/"/>
-    <ds:schemaRef ds:uri="http://schemas.microsoft.com/internal/obd"/>
+    <ds:schemaRef ds:uri="http://schemas.microsoft.com/sharepoint/v3/contenttype/forms"/>
   </ds:schemaRefs>
 </ds:datastoreItem>
 </file>
--- a/ClassMaterials/CollisionHandling/Slides/Part2-ProjectReminders.pptx
+++ b/ClassMaterials/CollisionHandling/Slides/Part2-ProjectReminders.pptx
@@ -5,7 +5,7 @@
     <p:sldMasterId id="2147483648" r:id="rId4"/>
   </p:sldMasterIdLst>
   <p:notesMasterIdLst>
-    <p:notesMasterId r:id="rId13"/>
+    <p:notesMasterId r:id="rId14"/>
   </p:notesMasterIdLst>
   <p:sldIdLst>
     <p:sldId id="256" r:id="rId5"/>
@@ -16,6 +16,7 @@
     <p:sldId id="259" r:id="rId10"/>
     <p:sldId id="264" r:id="rId11"/>
     <p:sldId id="262" r:id="rId12"/>
+    <p:sldId id="343" r:id="rId13"/>
   </p:sldIdLst>
   <p:sldSz cx="9144000" cy="6858000" type="screen4x3"/>
   <p:notesSz cx="7315200" cy="9601200"/>
@@ -730,6 +731,96 @@
 </p:notes>
 </file>
 
+<file path=ppt/notesSlides/notesSlide2.xml><?xml version="1.0" encoding="utf-8"?>
+<p:notes xmlns:a="http://schemas.openxmlformats.org/drawingml/2006/main" xmlns:r="http://schemas.openxmlformats.org/officeDocument/2006/relationships" xmlns:p="http://schemas.openxmlformats.org/presentationml/2006/main">
+  <p:cSld>
+    <p:spTree>
+      <p:nvGrpSpPr>
+        <p:cNvPr id="1" name=""/>
+        <p:cNvGrpSpPr/>
+        <p:nvPr/>
+      </p:nvGrpSpPr>
+      <p:grpSpPr>
+        <a:xfrm>
+          <a:off x="0" y="0"/>
+          <a:ext cx="0" cy="0"/>
+          <a:chOff x="0" y="0"/>
+          <a:chExt cx="0" cy="0"/>
+        </a:xfrm>
+      </p:grpSpPr>
+      <p:sp>
+        <p:nvSpPr>
+          <p:cNvPr id="2" name="Slide Image Placeholder 1"/>
+          <p:cNvSpPr>
+            <a:spLocks noGrp="1" noRot="1" noChangeAspect="1"/>
+          </p:cNvSpPr>
+          <p:nvPr>
+            <p:ph type="sldImg"/>
+          </p:nvPr>
+        </p:nvSpPr>
+        <p:spPr/>
+      </p:sp>
+      <p:sp>
+        <p:nvSpPr>
+          <p:cNvPr id="3" name="Notes Placeholder 2"/>
+          <p:cNvSpPr>
+            <a:spLocks noGrp="1"/>
+          </p:cNvSpPr>
+          <p:nvPr>
+            <p:ph type="body" idx="1"/>
+          </p:nvPr>
+        </p:nvSpPr>
+        <p:spPr/>
+        <p:txBody>
+          <a:bodyPr/>
+          <a:lstStyle/>
+          <a:p>
+            <a:endParaRPr lang="en-US" dirty="0"/>
+          </a:p>
+        </p:txBody>
+      </p:sp>
+      <p:sp>
+        <p:nvSpPr>
+          <p:cNvPr id="4" name="Slide Number Placeholder 3"/>
+          <p:cNvSpPr>
+            <a:spLocks noGrp="1"/>
+          </p:cNvSpPr>
+          <p:nvPr>
+            <p:ph type="sldNum" sz="quarter" idx="10"/>
+          </p:nvPr>
+        </p:nvSpPr>
+        <p:spPr/>
+        <p:txBody>
+          <a:bodyPr/>
+          <a:lstStyle/>
+          <a:p>
+            <a:pPr>
+              <a:defRPr/>
+            </a:pPr>
+            <a:fld id="{BDF97A26-8EDD-4564-9705-85BE5B01BB34}" type="slidenum">
+              <a:rPr lang="en-US" smtClean="0"/>
+              <a:pPr>
+                <a:defRPr/>
+              </a:pPr>
+              <a:t>9</a:t>
+            </a:fld>
+            <a:endParaRPr lang="en-US"/>
+          </a:p>
+        </p:txBody>
+      </p:sp>
+    </p:spTree>
+    <p:extLst>
+      <p:ext uri="{BB962C8B-B14F-4D97-AF65-F5344CB8AC3E}">
+        <p14:creationId xmlns:p14="http://schemas.microsoft.com/office/powerpoint/2010/main" val="17916956"/>
+      </p:ext>
+    </p:extLst>
+  </p:cSld>
+  <p:clrMapOvr>
+    <a:masterClrMapping/>
+  </p:clrMapOvr>
+</p:notes>
+</file>
+
 <file path=ppt/slideLayouts/slideLayout1.xml><?xml version="1.0" encoding="utf-8"?>
 <p:sldLayout xmlns:a="http://schemas.openxmlformats.org/drawingml/2006/main" xmlns:r="http://schemas.openxmlformats.org/officeDocument/2006/relationships" xmlns:p="http://schemas.openxmlformats.org/presentationml/2006/main" type="blank" preserve="1">
   <p:cSld name="Blank Slide">
@@ -1286,6 +1377,266 @@
 </p:sldLayout>
 </file>
 
+<file path=ppt/slideLayouts/slideLayout13.xml><?xml version="1.0" encoding="utf-8"?>
+<p:sldLayout xmlns:a="http://schemas.openxmlformats.org/drawingml/2006/main" xmlns:r="http://schemas.openxmlformats.org/officeDocument/2006/relationships" xmlns:p="http://schemas.openxmlformats.org/presentationml/2006/main" type="secHead">
+  <p:cSld name="Section Header">
+    <p:spTree>
+      <p:nvGrpSpPr>
+        <p:cNvPr id="1" name=""/>
+        <p:cNvGrpSpPr/>
+        <p:nvPr/>
+      </p:nvGrpSpPr>
+      <p:grpSpPr>
+        <a:xfrm>
+          <a:off x="0" y="0"/>
+          <a:ext cx="0" cy="0"/>
+          <a:chOff x="0" y="0"/>
+          <a:chExt cx="0" cy="0"/>
+        </a:xfrm>
+      </p:grpSpPr>
+      <p:sp>
+        <p:nvSpPr>
+          <p:cNvPr id="2" name="Title 1"/>
+          <p:cNvSpPr>
+            <a:spLocks noGrp="1"/>
+          </p:cNvSpPr>
+          <p:nvPr>
+            <p:ph type="title"/>
+          </p:nvPr>
+        </p:nvSpPr>
+        <p:spPr>
+          <a:xfrm>
+            <a:off x="722313" y="4406900"/>
+            <a:ext cx="7772400" cy="1362075"/>
+          </a:xfrm>
+        </p:spPr>
+        <p:txBody>
+          <a:bodyPr anchor="t"/>
+          <a:lstStyle>
+            <a:lvl1pPr algn="l">
+              <a:defRPr sz="4000" b="1" cap="all"/>
+            </a:lvl1pPr>
+          </a:lstStyle>
+          <a:p>
+            <a:r>
+              <a:rPr lang="en-US"/>
+              <a:t>Click to edit Master title style</a:t>
+            </a:r>
+          </a:p>
+        </p:txBody>
+      </p:sp>
+      <p:sp>
+        <p:nvSpPr>
+          <p:cNvPr id="3" name="Text Placeholder 2"/>
+          <p:cNvSpPr>
+            <a:spLocks noGrp="1"/>
+          </p:cNvSpPr>
+          <p:nvPr>
+            <p:ph type="body" idx="1"/>
+          </p:nvPr>
+        </p:nvSpPr>
+        <p:spPr>
+          <a:xfrm>
+            <a:off x="722313" y="2906713"/>
+            <a:ext cx="7772400" cy="1500187"/>
+          </a:xfrm>
+        </p:spPr>
+        <p:txBody>
+          <a:bodyPr anchor="b"/>
+          <a:lstStyle>
+            <a:lvl1pPr marL="0" indent="0">
+              <a:buNone/>
+              <a:defRPr sz="2000">
+                <a:solidFill>
+                  <a:schemeClr val="tx1">
+                    <a:tint val="75000"/>
+                  </a:schemeClr>
+                </a:solidFill>
+              </a:defRPr>
+            </a:lvl1pPr>
+            <a:lvl2pPr marL="457200" indent="0">
+              <a:buNone/>
+              <a:defRPr sz="1800">
+                <a:solidFill>
+                  <a:schemeClr val="tx1">
+                    <a:tint val="75000"/>
+                  </a:schemeClr>
+                </a:solidFill>
+              </a:defRPr>
+            </a:lvl2pPr>
+            <a:lvl3pPr marL="914400" indent="0">
+              <a:buNone/>
+              <a:defRPr sz="1600">
+                <a:solidFill>
+                  <a:schemeClr val="tx1">
+                    <a:tint val="75000"/>
+                  </a:schemeClr>
+                </a:solidFill>
+              </a:defRPr>
+            </a:lvl3pPr>
+            <a:lvl4pPr marL="1371600" indent="0">
+              <a:buNone/>
+              <a:defRPr sz="1400">
+                <a:solidFill>
+                  <a:schemeClr val="tx1">
+                    <a:tint val="75000"/>
+                  </a:schemeClr>
+                </a:solidFill>
+              </a:defRPr>
+            </a:lvl4pPr>
+            <a:lvl5pPr marL="1828800" indent="0">
+              <a:buNone/>
+              <a:defRPr sz="1400">
+                <a:solidFill>
+                  <a:schemeClr val="tx1">
+                    <a:tint val="75000"/>
+                  </a:schemeClr>
+                </a:solidFill>
+              </a:defRPr>
+            </a:lvl5pPr>
+            <a:lvl6pPr marL="2286000" indent="0">
+              <a:buNone/>
+              <a:defRPr sz="1400">
+                <a:solidFill>
+                  <a:schemeClr val="tx1">
+                    <a:tint val="75000"/>
+                  </a:schemeClr>
+                </a:solidFill>
+              </a:defRPr>
+            </a:lvl6pPr>
+            <a:lvl7pPr marL="2743200" indent="0">
+              <a:buNone/>
+              <a:defRPr sz="1400">
+                <a:solidFill>
+                  <a:schemeClr val="tx1">
+                    <a:tint val="75000"/>
+                  </a:schemeClr>
+                </a:solidFill>
+              </a:defRPr>
+            </a:lvl7pPr>
+            <a:lvl8pPr marL="3200400" indent="0">
+              <a:buNone/>
+              <a:defRPr sz="1400">
+                <a:solidFill>
+                  <a:schemeClr val="tx1">
+                    <a:tint val="75000"/>
+                  </a:schemeClr>
+                </a:solidFill>
+              </a:defRPr>
+            </a:lvl8pPr>
+            <a:lvl9pPr marL="3657600" indent="0">
+              <a:buNone/>
+              <a:defRPr sz="1400">
+                <a:solidFill>
+                  <a:schemeClr val="tx1">
+                    <a:tint val="75000"/>
+                  </a:schemeClr>
+                </a:solidFill>
+              </a:defRPr>
+            </a:lvl9pPr>
+          </a:lstStyle>
+          <a:p>
+            <a:pPr lvl="0"/>
+            <a:r>
+              <a:rPr lang="en-US"/>
+              <a:t>Click to edit Master text styles</a:t>
+            </a:r>
+          </a:p>
+        </p:txBody>
+      </p:sp>
+      <p:sp>
+        <p:nvSpPr>
+          <p:cNvPr id="4" name="Date Placeholder 3"/>
+          <p:cNvSpPr>
+            <a:spLocks noGrp="1"/>
+          </p:cNvSpPr>
+          <p:nvPr>
+            <p:ph type="dt" sz="half" idx="10"/>
+          </p:nvPr>
+        </p:nvSpPr>
+        <p:spPr/>
+        <p:txBody>
+          <a:bodyPr/>
+          <a:lstStyle/>
+          <a:p>
+            <a:pPr>
+              <a:defRPr/>
+            </a:pPr>
+            <a:fld id="{F4C7B8FB-6A62-4B8F-B178-8F5700724967}" type="datetime2">
+              <a:rPr lang="en-US" smtClean="0"/>
+              <a:pPr>
+                <a:defRPr/>
+              </a:pPr>
+              <a:t>Thursday, February 1, 2024</a:t>
+            </a:fld>
+            <a:endParaRPr lang="en-US"/>
+          </a:p>
+        </p:txBody>
+      </p:sp>
+      <p:sp>
+        <p:nvSpPr>
+          <p:cNvPr id="5" name="Footer Placeholder 4"/>
+          <p:cNvSpPr>
+            <a:spLocks noGrp="1"/>
+          </p:cNvSpPr>
+          <p:nvPr>
+            <p:ph type="ftr" sz="quarter" idx="11"/>
+          </p:nvPr>
+        </p:nvSpPr>
+        <p:spPr/>
+        <p:txBody>
+          <a:bodyPr/>
+          <a:lstStyle/>
+          <a:p>
+            <a:pPr>
+              <a:defRPr/>
+            </a:pPr>
+            <a:endParaRPr lang="en-US"/>
+          </a:p>
+        </p:txBody>
+      </p:sp>
+      <p:sp>
+        <p:nvSpPr>
+          <p:cNvPr id="6" name="Slide Number Placeholder 5"/>
+          <p:cNvSpPr>
+            <a:spLocks noGrp="1"/>
+          </p:cNvSpPr>
+          <p:nvPr>
+            <p:ph type="sldNum" sz="quarter" idx="12"/>
+          </p:nvPr>
+        </p:nvSpPr>
+        <p:spPr/>
+        <p:txBody>
+          <a:bodyPr/>
+          <a:lstStyle/>
+          <a:p>
+            <a:pPr>
+              <a:defRPr/>
+            </a:pPr>
+            <a:fld id="{7213D0EB-45B8-459E-B690-0E608BEE1FF3}" type="slidenum">
+              <a:rPr lang="en-US" smtClean="0"/>
+              <a:pPr>
+                <a:defRPr/>
+              </a:pPr>
+              <a:t>‹#›</a:t>
+            </a:fld>
+            <a:endParaRPr lang="en-US"/>
+          </a:p>
+        </p:txBody>
+      </p:sp>
+    </p:spTree>
+    <p:extLst>
+      <p:ext uri="{BB962C8B-B14F-4D97-AF65-F5344CB8AC3E}">
+        <p14:creationId xmlns:p14="http://schemas.microsoft.com/office/powerpoint/2010/main" val="636366605"/>
+      </p:ext>
+    </p:extLst>
+  </p:cSld>
+  <p:clrMapOvr>
+    <a:masterClrMapping/>
+  </p:clrMapOvr>
+</p:sldLayout>
+</file>
+
 <file path=ppt/slideLayouts/slideLayout2.xml><?xml version="1.0" encoding="utf-8"?>
 <p:sldLayout xmlns:a="http://schemas.openxmlformats.org/drawingml/2006/main" xmlns:r="http://schemas.openxmlformats.org/officeDocument/2006/relationships" xmlns:p="http://schemas.openxmlformats.org/presentationml/2006/main" type="tx" preserve="1">
   <p:cSld name="Title Slide">
@@ -2543,6 +2894,7 @@
     <p:sldLayoutId id="2147483658" r:id="rId10"/>
     <p:sldLayoutId id="2147483659" r:id="rId11"/>
     <p:sldLayoutId id="2147483660" r:id="rId12"/>
+    <p:sldLayoutId id="2147483661" r:id="rId13"/>
   </p:sldLayoutIdLst>
   <p:txStyles>
     <p:titleStyle>
@@ -4331,6 +4683,156 @@
     <p:extLst>
       <p:ext uri="{BB962C8B-B14F-4D97-AF65-F5344CB8AC3E}">
         <p14:creationId xmlns:p14="http://schemas.microsoft.com/office/powerpoint/2010/main" val="1497929285"/>
+      </p:ext>
+    </p:extLst>
+  </p:cSld>
+  <p:clrMapOvr>
+    <a:masterClrMapping/>
+  </p:clrMapOvr>
+</p:sld>
+</file>
+
+<file path=ppt/slides/slide9.xml><?xml version="1.0" encoding="utf-8"?>
+<p:sld xmlns:a="http://schemas.openxmlformats.org/drawingml/2006/main" xmlns:r="http://schemas.openxmlformats.org/officeDocument/2006/relationships" xmlns:p="http://schemas.openxmlformats.org/presentationml/2006/main">
+  <p:cSld>
+    <p:spTree>
+      <p:nvGrpSpPr>
+        <p:cNvPr id="1" name=""/>
+        <p:cNvGrpSpPr/>
+        <p:nvPr/>
+      </p:nvGrpSpPr>
+      <p:grpSpPr>
+        <a:xfrm>
+          <a:off x="0" y="0"/>
+          <a:ext cx="0" cy="0"/>
+          <a:chOff x="0" y="0"/>
+          <a:chExt cx="0" cy="0"/>
+        </a:xfrm>
+      </p:grpSpPr>
+      <p:sp>
+        <p:nvSpPr>
+          <p:cNvPr id="4" name="Title 3"/>
+          <p:cNvSpPr>
+            <a:spLocks noGrp="1"/>
+          </p:cNvSpPr>
+          <p:nvPr>
+            <p:ph type="title"/>
+          </p:nvPr>
+        </p:nvSpPr>
+        <p:spPr>
+          <a:xfrm>
+            <a:off x="722313" y="457200"/>
+            <a:ext cx="7772400" cy="766763"/>
+          </a:xfrm>
+        </p:spPr>
+        <p:txBody>
+          <a:bodyPr/>
+          <a:lstStyle/>
+          <a:p>
+            <a:r>
+              <a:rPr lang="en-US" dirty="0"/>
+              <a:t>Project advice</a:t>
+            </a:r>
+          </a:p>
+        </p:txBody>
+      </p:sp>
+      <p:sp>
+        <p:nvSpPr>
+          <p:cNvPr id="2" name="TextBox 1"/>
+          <p:cNvSpPr txBox="1"/>
+          <p:nvPr/>
+        </p:nvSpPr>
+        <p:spPr>
+          <a:xfrm>
+            <a:off x="228600" y="1524000"/>
+            <a:ext cx="8610599" cy="3970318"/>
+          </a:xfrm>
+          <a:prstGeom prst="rect">
+            <a:avLst/>
+          </a:prstGeom>
+          <a:noFill/>
+        </p:spPr>
+        <p:txBody>
+          <a:bodyPr wrap="square" rtlCol="0">
+            <a:spAutoFit/>
+          </a:bodyPr>
+          <a:lstStyle/>
+          <a:p>
+            <a:pPr marL="457200" indent="-457200">
+              <a:buFont typeface="Arial" panose="020B0604020202020204" pitchFamily="34" charset="0"/>
+              <a:buChar char="•"/>
+            </a:pPr>
+            <a:r>
+              <a:rPr lang="en-US" sz="2800" dirty="0"/>
+              <a:t>When done with Milestone1 (or beyond)</a:t>
+            </a:r>
+          </a:p>
+          <a:p>
+            <a:pPr marL="914400" lvl="1" indent="-457200">
+              <a:buFont typeface="Arial" panose="020B0604020202020204" pitchFamily="34" charset="0"/>
+              <a:buChar char="•"/>
+            </a:pPr>
+            <a:r>
+              <a:rPr lang="en-US" sz="2800" b="1" dirty="0"/>
+              <a:t>Add “final Milestone1 Commit”</a:t>
+            </a:r>
+          </a:p>
+          <a:p>
+            <a:pPr marL="914400" lvl="1" indent="-457200">
+              <a:buFont typeface="Arial" panose="020B0604020202020204" pitchFamily="34" charset="0"/>
+              <a:buChar char="•"/>
+            </a:pPr>
+            <a:r>
+              <a:rPr lang="en-US" sz="2800" dirty="0"/>
+              <a:t>To your commit message so graders will know to check out that version</a:t>
+            </a:r>
+          </a:p>
+          <a:p>
+            <a:pPr marL="457200" indent="-457200">
+              <a:buFont typeface="Arial" panose="020B0604020202020204" pitchFamily="34" charset="0"/>
+              <a:buChar char="•"/>
+            </a:pPr>
+            <a:r>
+              <a:rPr lang="en-US" sz="2800" dirty="0"/>
+              <a:t>Build an end-to-end solution</a:t>
+            </a:r>
+          </a:p>
+          <a:p>
+            <a:pPr marL="457200" indent="-457200">
+              <a:buFont typeface="Arial" panose="020B0604020202020204" pitchFamily="34" charset="0"/>
+              <a:buChar char="•"/>
+            </a:pPr>
+            <a:r>
+              <a:rPr lang="en-US" sz="2800" dirty="0"/>
+              <a:t>Build the next thing you can TEST</a:t>
+            </a:r>
+          </a:p>
+          <a:p>
+            <a:pPr marL="457200" indent="-457200">
+              <a:buFont typeface="Arial" panose="020B0604020202020204" pitchFamily="34" charset="0"/>
+              <a:buChar char="•"/>
+            </a:pPr>
+            <a:r>
+              <a:rPr lang="en-US" sz="2800" dirty="0"/>
+              <a:t>Don’t focus on cool graphics and other extra items early in the project, focus on basic functionality</a:t>
+            </a:r>
+          </a:p>
+          <a:p>
+            <a:pPr marL="457200" indent="-457200">
+              <a:buFont typeface="Arial" panose="020B0604020202020204" pitchFamily="34" charset="0"/>
+              <a:buChar char="•"/>
+            </a:pPr>
+            <a:r>
+              <a:rPr lang="en-US" sz="2800" dirty="0"/>
+              <a:t>Complete the milestone and keep moving forward!</a:t>
+            </a:r>
+          </a:p>
+        </p:txBody>
+      </p:sp>
+    </p:spTree>
+    <p:extLst>
+      <p:ext uri="{BB962C8B-B14F-4D97-AF65-F5344CB8AC3E}">
+        <p14:creationId xmlns:p14="http://schemas.microsoft.com/office/powerpoint/2010/main" val="1261546459"/>
       </p:ext>
     </p:extLst>
   </p:cSld>
@@ -4791,6 +5293,17 @@
 </file>
 
 <file path=customXml/item1.xml><?xml version="1.0" encoding="utf-8"?>
+<p:properties xmlns:p="http://schemas.microsoft.com/office/2006/metadata/properties" xmlns:xsi="http://www.w3.org/2001/XMLSchema-instance" xmlns:pc="http://schemas.microsoft.com/office/infopath/2007/PartnerControls">
+  <documentManagement>
+    <TaxCatchAll xmlns="820f9cb1-409d-4c4b-8197-1d4f7dd48124" xsi:nil="true"/>
+    <lcf76f155ced4ddcb4097134ff3c332f xmlns="08600313-7276-4ca7-b5d3-7d86193ee0ac">
+      <Terms xmlns="http://schemas.microsoft.com/office/infopath/2007/PartnerControls"/>
+    </lcf76f155ced4ddcb4097134ff3c332f>
+  </documentManagement>
+</p:properties>
+</file>
+
+<file path=customXml/item2.xml><?xml version="1.0" encoding="utf-8"?>
 <ct:contentTypeSchema xmlns:ct="http://schemas.microsoft.com/office/2006/metadata/contentType" xmlns:ma="http://schemas.microsoft.com/office/2006/metadata/properties/metaAttributes" ct:_="" ma:_="" ma:contentTypeName="Document" ma:contentTypeID="0x0101004285D81DBE5F5A448E892B34D6B8CF20" ma:contentTypeVersion="8" ma:contentTypeDescription="Create a new document." ma:contentTypeScope="" ma:versionID="ecce54155d2ea7caa9aed06c8b6b9867">
   <xsd:schema xmlns:xsd="http://www.w3.org/2001/XMLSchema" xmlns:xs="http://www.w3.org/2001/XMLSchema" xmlns:p="http://schemas.microsoft.com/office/2006/metadata/properties" xmlns:ns2="08600313-7276-4ca7-b5d3-7d86193ee0ac" xmlns:ns3="820f9cb1-409d-4c4b-8197-1d4f7dd48124" targetNamespace="http://schemas.microsoft.com/office/2006/metadata/properties" ma:root="true" ma:fieldsID="bfd7385540b70b2fe84ac888cc214377" ns2:_="" ns3:_="">
     <xsd:import namespace="08600313-7276-4ca7-b5d3-7d86193ee0ac"/>
@@ -4967,17 +5480,6 @@
 </ct:contentTypeSchema>
 </file>
 
-<file path=customXml/item2.xml><?xml version="1.0" encoding="utf-8"?>
-<p:properties xmlns:p="http://schemas.microsoft.com/office/2006/metadata/properties" xmlns:xsi="http://www.w3.org/2001/XMLSchema-instance" xmlns:pc="http://schemas.microsoft.com/office/infopath/2007/PartnerControls">
-  <documentManagement>
-    <TaxCatchAll xmlns="820f9cb1-409d-4c4b-8197-1d4f7dd48124" xsi:nil="true"/>
-    <lcf76f155ced4ddcb4097134ff3c332f xmlns="08600313-7276-4ca7-b5d3-7d86193ee0ac">
-      <Terms xmlns="http://schemas.microsoft.com/office/infopath/2007/PartnerControls"/>
-    </lcf76f155ced4ddcb4097134ff3c332f>
-  </documentManagement>
-</p:properties>
-</file>
-
 <file path=customXml/item3.xml><?xml version="1.0" encoding="utf-8"?>
 <?mso-contentType ?>
 <FormTemplates xmlns="http://schemas.microsoft.com/sharepoint/v3/contenttype/forms">
@@ -4988,6 +5490,17 @@
 </file>
 
 <file path=customXml/itemProps1.xml><?xml version="1.0" encoding="utf-8"?>
+<ds:datastoreItem xmlns:ds="http://schemas.openxmlformats.org/officeDocument/2006/customXml" ds:itemID="{5634EF7E-5EA3-49C2-BE7A-FEA82609F7D8}">
+  <ds:schemaRefs>
+    <ds:schemaRef ds:uri="http://schemas.microsoft.com/office/2006/metadata/properties"/>
+    <ds:schemaRef ds:uri="http://schemas.microsoft.com/office/infopath/2007/PartnerControls"/>
+    <ds:schemaRef ds:uri="820f9cb1-409d-4c4b-8197-1d4f7dd48124"/>
+    <ds:schemaRef ds:uri="08600313-7276-4ca7-b5d3-7d86193ee0ac"/>
+  </ds:schemaRefs>
+</ds:datastoreItem>
+</file>
+
+<file path=customXml/itemProps2.xml><?xml version="1.0" encoding="utf-8"?>
 <ds:datastoreItem xmlns:ds="http://schemas.openxmlformats.org/officeDocument/2006/customXml" ds:itemID="{749915E0-C9C6-4DE7-A4C1-4F6BBE656611}">
   <ds:schemaRefs>
     <ds:schemaRef ds:uri="http://schemas.microsoft.com/office/2006/metadata/contentType"/>
@@ -5006,17 +5519,6 @@
 </ds:datastoreItem>
 </file>
 
-<file path=customXml/itemProps2.xml><?xml version="1.0" encoding="utf-8"?>
-<ds:datastoreItem xmlns:ds="http://schemas.openxmlformats.org/officeDocument/2006/customXml" ds:itemID="{5634EF7E-5EA3-49C2-BE7A-FEA82609F7D8}">
-  <ds:schemaRefs>
-    <ds:schemaRef ds:uri="http://schemas.microsoft.com/office/2006/metadata/properties"/>
-    <ds:schemaRef ds:uri="http://schemas.microsoft.com/office/infopath/2007/PartnerControls"/>
-    <ds:schemaRef ds:uri="820f9cb1-409d-4c4b-8197-1d4f7dd48124"/>
-    <ds:schemaRef ds:uri="08600313-7276-4ca7-b5d3-7d86193ee0ac"/>
-  </ds:schemaRefs>
-</ds:datastoreItem>
-</file>
-
 <file path=customXml/itemProps3.xml><?xml version="1.0" encoding="utf-8"?>
 <ds:datastoreItem xmlns:ds="http://schemas.openxmlformats.org/officeDocument/2006/customXml" ds:itemID="{3EBE5BB5-16D8-4951-9C8D-E0DF199895E2}">
   <ds:schemaRefs>

--- a/ClassMaterials/CollisionHandling/Slides/Part2-ProjectReminders.pptx
+++ b/ClassMaterials/CollisionHandling/Slides/Part2-ProjectReminders.pptx
@@ -1567,7 +1567,7 @@
               <a:pPr>
                 <a:defRPr/>
               </a:pPr>
-              <a:t>Thursday, February 1, 2024</a:t>
+              <a:t>Sunday, May 4, 2025</a:t>
             </a:fld>
             <a:endParaRPr lang="en-US"/>
           </a:p>
@@ -5293,14 +5293,12 @@
 </file>
 
 <file path=customXml/item1.xml><?xml version="1.0" encoding="utf-8"?>
-<p:properties xmlns:p="http://schemas.microsoft.com/office/2006/metadata/properties" xmlns:xsi="http://www.w3.org/2001/XMLSchema-instance" xmlns:pc="http://schemas.microsoft.com/office/infopath/2007/PartnerControls">
-  <documentManagement>
-    <TaxCatchAll xmlns="820f9cb1-409d-4c4b-8197-1d4f7dd48124" xsi:nil="true"/>
-    <lcf76f155ced4ddcb4097134ff3c332f xmlns="08600313-7276-4ca7-b5d3-7d86193ee0ac">
-      <Terms xmlns="http://schemas.microsoft.com/office/infopath/2007/PartnerControls"/>
-    </lcf76f155ced4ddcb4097134ff3c332f>
-  </documentManagement>
-</p:properties>
+<?mso-contentType ?>
+<FormTemplates xmlns="http://schemas.microsoft.com/sharepoint/v3/contenttype/forms">
+  <Display>DocumentLibraryForm</Display>
+  <Edit>DocumentLibraryForm</Edit>
+  <New>DocumentLibraryForm</New>
+</FormTemplates>
 </file>
 
 <file path=customXml/item2.xml><?xml version="1.0" encoding="utf-8"?>
@@ -5481,21 +5479,20 @@
 </file>
 
 <file path=customXml/item3.xml><?xml version="1.0" encoding="utf-8"?>
-<?mso-contentType ?>
-<FormTemplates xmlns="http://schemas.microsoft.com/sharepoint/v3/contenttype/forms">
-  <Display>DocumentLibraryForm</Display>
-  <Edit>DocumentLibraryForm</Edit>
-  <New>DocumentLibraryForm</New>
-</FormTemplates>
+<p:properties xmlns:p="http://schemas.microsoft.com/office/2006/metadata/properties" xmlns:xsi="http://www.w3.org/2001/XMLSchema-instance" xmlns:pc="http://schemas.microsoft.com/office/infopath/2007/PartnerControls">
+  <documentManagement>
+    <TaxCatchAll xmlns="820f9cb1-409d-4c4b-8197-1d4f7dd48124" xsi:nil="true"/>
+    <lcf76f155ced4ddcb4097134ff3c332f xmlns="08600313-7276-4ca7-b5d3-7d86193ee0ac">
+      <Terms xmlns="http://schemas.microsoft.com/office/infopath/2007/PartnerControls"/>
+    </lcf76f155ced4ddcb4097134ff3c332f>
+  </documentManagement>
+</p:properties>
 </file>
 
 <file path=customXml/itemProps1.xml><?xml version="1.0" encoding="utf-8"?>
-<ds:datastoreItem xmlns:ds="http://schemas.openxmlformats.org/officeDocument/2006/customXml" ds:itemID="{5634EF7E-5EA3-49C2-BE7A-FEA82609F7D8}">
+<ds:datastoreItem xmlns:ds="http://schemas.openxmlformats.org/officeDocument/2006/customXml" ds:itemID="{3EBE5BB5-16D8-4951-9C8D-E0DF199895E2}">
   <ds:schemaRefs>
-    <ds:schemaRef ds:uri="http://schemas.microsoft.com/office/2006/metadata/properties"/>
-    <ds:schemaRef ds:uri="http://schemas.microsoft.com/office/infopath/2007/PartnerControls"/>
-    <ds:schemaRef ds:uri="820f9cb1-409d-4c4b-8197-1d4f7dd48124"/>
-    <ds:schemaRef ds:uri="08600313-7276-4ca7-b5d3-7d86193ee0ac"/>
+    <ds:schemaRef ds:uri="http://schemas.microsoft.com/sharepoint/v3/contenttype/forms"/>
   </ds:schemaRefs>
 </ds:datastoreItem>
 </file>
@@ -5520,9 +5517,12 @@
 </file>
 
 <file path=customXml/itemProps3.xml><?xml version="1.0" encoding="utf-8"?>
-<ds:datastoreItem xmlns:ds="http://schemas.openxmlformats.org/officeDocument/2006/customXml" ds:itemID="{3EBE5BB5-16D8-4951-9C8D-E0DF199895E2}">
+<ds:datastoreItem xmlns:ds="http://schemas.openxmlformats.org/officeDocument/2006/customXml" ds:itemID="{5634EF7E-5EA3-49C2-BE7A-FEA82609F7D8}">
   <ds:schemaRefs>
-    <ds:schemaRef ds:uri="http://schemas.microsoft.com/sharepoint/v3/contenttype/forms"/>
+    <ds:schemaRef ds:uri="http://schemas.microsoft.com/office/2006/metadata/properties"/>
+    <ds:schemaRef ds:uri="http://schemas.microsoft.com/office/infopath/2007/PartnerControls"/>
+    <ds:schemaRef ds:uri="820f9cb1-409d-4c4b-8197-1d4f7dd48124"/>
+    <ds:schemaRef ds:uri="08600313-7276-4ca7-b5d3-7d86193ee0ac"/>
   </ds:schemaRefs>
 </ds:datastoreItem>
 </file>